--- a/Slides/Telerik Testing Framework/Telerik Testing Framework.pptx
+++ b/Slides/Telerik Testing Framework/Telerik Testing Framework.pptx
@@ -5,7 +5,7 @@
     <p:sldMasterId id="2147483660" r:id="rId1"/>
   </p:sldMasterIdLst>
   <p:notesMasterIdLst>
-    <p:notesMasterId r:id="rId11"/>
+    <p:notesMasterId r:id="rId12"/>
   </p:notesMasterIdLst>
   <p:sldIdLst>
     <p:sldId id="257" r:id="rId2"/>
@@ -15,8 +15,9 @@
     <p:sldId id="368" r:id="rId6"/>
     <p:sldId id="369" r:id="rId7"/>
     <p:sldId id="372" r:id="rId8"/>
-    <p:sldId id="361" r:id="rId9"/>
-    <p:sldId id="364" r:id="rId10"/>
+    <p:sldId id="374" r:id="rId9"/>
+    <p:sldId id="361" r:id="rId10"/>
+    <p:sldId id="364" r:id="rId11"/>
   </p:sldIdLst>
   <p:sldSz cx="9144000" cy="6858000" type="screen4x3"/>
   <p:notesSz cx="6858000" cy="9144000"/>
@@ -216,7 +217,7 @@
           <a:p>
             <a:fld id="{644303E9-1A8A-406D-9DFA-FF87524EDF5C}" type="datetimeFigureOut">
               <a:rPr lang="en-US" smtClean="0"/>
-              <a:t>9/17/2014</a:t>
+              <a:t>10/6/2014</a:t>
             </a:fld>
             <a:endParaRPr lang="en-US"/>
           </a:p>
@@ -7053,6 +7054,470 @@
 </p:sld>
 </file>
 
+<file path=ppt/slides/slide10.xml><?xml version="1.0" encoding="utf-8"?>
+<p:sld xmlns:a="http://schemas.openxmlformats.org/drawingml/2006/main" xmlns:r="http://schemas.openxmlformats.org/officeDocument/2006/relationships" xmlns:p="http://schemas.openxmlformats.org/presentationml/2006/main">
+  <p:cSld>
+    <p:spTree>
+      <p:nvGrpSpPr>
+        <p:cNvPr id="1" name=""/>
+        <p:cNvGrpSpPr/>
+        <p:nvPr/>
+      </p:nvGrpSpPr>
+      <p:grpSpPr>
+        <a:xfrm>
+          <a:off x="0" y="0"/>
+          <a:ext cx="0" cy="0"/>
+          <a:chOff x="0" y="0"/>
+          <a:chExt cx="0" cy="0"/>
+        </a:xfrm>
+      </p:grpSpPr>
+      <p:sp>
+        <p:nvSpPr>
+          <p:cNvPr id="3" name="Title 2"/>
+          <p:cNvSpPr>
+            <a:spLocks noGrp="1"/>
+          </p:cNvSpPr>
+          <p:nvPr>
+            <p:ph type="title"/>
+          </p:nvPr>
+        </p:nvSpPr>
+        <p:spPr/>
+        <p:txBody>
+          <a:bodyPr/>
+          <a:lstStyle/>
+          <a:p>
+            <a:r>
+              <a:rPr lang="en-US" sz="3600" dirty="0" smtClean="0"/>
+              <a:t>Free Trainings @ Telerik Academy</a:t>
+            </a:r>
+            <a:endParaRPr lang="en-US" sz="3600" dirty="0"/>
+          </a:p>
+        </p:txBody>
+      </p:sp>
+      <p:sp>
+        <p:nvSpPr>
+          <p:cNvPr id="4" name="Content Placeholder 3"/>
+          <p:cNvSpPr>
+            <a:spLocks noGrp="1"/>
+          </p:cNvSpPr>
+          <p:nvPr>
+            <p:ph idx="1"/>
+          </p:nvPr>
+        </p:nvSpPr>
+        <p:spPr>
+          <a:xfrm>
+            <a:off x="228600" y="1066800"/>
+            <a:ext cx="8686800" cy="5638800"/>
+          </a:xfrm>
+        </p:spPr>
+        <p:txBody>
+          <a:bodyPr/>
+          <a:lstStyle/>
+          <a:p>
+            <a:r>
+              <a:rPr lang="en-US" smtClean="0"/>
+              <a:t>C# Programming </a:t>
+            </a:r>
+            <a:r>
+              <a:rPr lang="en-US" dirty="0" smtClean="0"/>
+              <a:t>@ Telerik Academy</a:t>
+            </a:r>
+          </a:p>
+          <a:p>
+            <a:pPr marL="574675" lvl="2" indent="-282575">
+              <a:buClr>
+                <a:schemeClr val="accent5">
+                  <a:lumMod val="40000"/>
+                  <a:lumOff val="60000"/>
+                </a:schemeClr>
+              </a:buClr>
+              <a:buSzPct val="70000"/>
+              <a:buFont typeface="Wingdings 2" pitchFamily="18" charset="2"/>
+              <a:buChar char=""/>
+              <a:tabLst>
+                <a:tab pos="282575" algn="l"/>
+              </a:tabLst>
+            </a:pPr>
+            <a:r>
+              <a:rPr lang="en-US" noProof="1">
+                <a:hlinkClick r:id="rId2"/>
+              </a:rPr>
+              <a:t>csharpfundamentals.telerik.com</a:t>
+            </a:r>
+            <a:endParaRPr lang="en-US" noProof="1"/>
+          </a:p>
+          <a:p>
+            <a:pPr marL="282575" lvl="1" indent="-282575">
+              <a:spcBef>
+                <a:spcPts val="1800"/>
+              </a:spcBef>
+              <a:buClr>
+                <a:schemeClr val="accent5">
+                  <a:lumMod val="40000"/>
+                  <a:lumOff val="60000"/>
+                </a:schemeClr>
+              </a:buClr>
+              <a:buSzPct val="70000"/>
+              <a:buFont typeface="Wingdings 2" pitchFamily="18" charset="2"/>
+              <a:buChar char=""/>
+              <a:tabLst>
+                <a:tab pos="282575" algn="l"/>
+              </a:tabLst>
+            </a:pPr>
+            <a:r>
+              <a:rPr lang="en-US" dirty="0" smtClean="0"/>
+              <a:t>Telerik Software Academy</a:t>
+            </a:r>
+          </a:p>
+          <a:p>
+            <a:pPr marL="574675" lvl="2" indent="-282575">
+              <a:buClr>
+                <a:schemeClr val="accent5">
+                  <a:lumMod val="40000"/>
+                  <a:lumOff val="60000"/>
+                </a:schemeClr>
+              </a:buClr>
+              <a:buSzPct val="70000"/>
+              <a:buFont typeface="Wingdings 2" pitchFamily="18" charset="2"/>
+              <a:buChar char=""/>
+              <a:tabLst>
+                <a:tab pos="282575" algn="l"/>
+              </a:tabLst>
+            </a:pPr>
+            <a:r>
+              <a:rPr lang="en-US" noProof="1" smtClean="0">
+                <a:hlinkClick r:id="rId3" tooltip="Telerik Software Academy - Free Programming Courses"/>
+              </a:rPr>
+              <a:t>academy.telerik.com</a:t>
+            </a:r>
+            <a:endParaRPr lang="en-US" noProof="1" smtClean="0"/>
+          </a:p>
+          <a:p>
+            <a:pPr marL="282575" lvl="1" indent="-282575">
+              <a:spcBef>
+                <a:spcPts val="1800"/>
+              </a:spcBef>
+              <a:buClr>
+                <a:schemeClr val="accent5">
+                  <a:lumMod val="40000"/>
+                  <a:lumOff val="60000"/>
+                </a:schemeClr>
+              </a:buClr>
+              <a:buSzPct val="70000"/>
+              <a:buFont typeface="Wingdings 2" pitchFamily="18" charset="2"/>
+              <a:buChar char=""/>
+              <a:tabLst>
+                <a:tab pos="282575" algn="l"/>
+              </a:tabLst>
+            </a:pPr>
+            <a:r>
+              <a:rPr lang="en-US" dirty="0" smtClean="0"/>
+              <a:t>Telerik Academy @ Facebook</a:t>
+            </a:r>
+          </a:p>
+          <a:p>
+            <a:pPr marL="574675" lvl="2" indent="-282575">
+              <a:buClr>
+                <a:schemeClr val="accent5">
+                  <a:lumMod val="40000"/>
+                  <a:lumOff val="60000"/>
+                </a:schemeClr>
+              </a:buClr>
+              <a:buSzPct val="70000"/>
+              <a:buFont typeface="Wingdings 2" pitchFamily="18" charset="2"/>
+              <a:buChar char=""/>
+              <a:tabLst>
+                <a:tab pos="282575" algn="l"/>
+              </a:tabLst>
+            </a:pPr>
+            <a:r>
+              <a:rPr lang="en-US" noProof="1" smtClean="0">
+                <a:hlinkClick r:id="rId4" tooltip="Telerik Softyware Academy @ Facebook"/>
+              </a:rPr>
+              <a:t>facebook.com/TelerikAcademy</a:t>
+            </a:r>
+            <a:endParaRPr lang="en-US" noProof="1" smtClean="0"/>
+          </a:p>
+          <a:p>
+            <a:pPr marL="282575" lvl="1" indent="-282575">
+              <a:spcBef>
+                <a:spcPts val="1800"/>
+              </a:spcBef>
+              <a:buClr>
+                <a:schemeClr val="accent5">
+                  <a:lumMod val="40000"/>
+                  <a:lumOff val="60000"/>
+                </a:schemeClr>
+              </a:buClr>
+              <a:buSzPct val="70000"/>
+              <a:buFont typeface="Wingdings 2" pitchFamily="18" charset="2"/>
+              <a:buChar char=""/>
+              <a:tabLst>
+                <a:tab pos="282575" algn="l"/>
+              </a:tabLst>
+            </a:pPr>
+            <a:r>
+              <a:rPr lang="en-US" dirty="0" smtClean="0"/>
+              <a:t>Telerik Software Academy Forums</a:t>
+            </a:r>
+          </a:p>
+          <a:p>
+            <a:pPr marL="574675" lvl="2" indent="-282575">
+              <a:buClr>
+                <a:schemeClr val="accent5">
+                  <a:lumMod val="40000"/>
+                  <a:lumOff val="60000"/>
+                </a:schemeClr>
+              </a:buClr>
+              <a:buSzPct val="70000"/>
+              <a:buFont typeface="Wingdings 2" pitchFamily="18" charset="2"/>
+              <a:buChar char=""/>
+              <a:tabLst>
+                <a:tab pos="282575" algn="l"/>
+              </a:tabLst>
+            </a:pPr>
+            <a:r>
+              <a:rPr lang="en-US" noProof="1" smtClean="0">
+                <a:hlinkClick r:id="rId5" tooltip="Telerik Software Academy Forums - Community for Programmers"/>
+              </a:rPr>
+              <a:t>forums.academy.telerik.com</a:t>
+            </a:r>
+            <a:endParaRPr lang="en-US" noProof="1"/>
+          </a:p>
+        </p:txBody>
+      </p:sp>
+      <p:pic>
+        <p:nvPicPr>
+          <p:cNvPr id="5" name="Picture 5">
+            <a:hlinkClick r:id="rId5" tooltip="Telerik Software Academy Forums - Discussion Board for Developers"/>
+          </p:cNvPr>
+          <p:cNvPicPr>
+            <a:picLocks noChangeAspect="1" noChangeArrowheads="1"/>
+          </p:cNvPicPr>
+          <p:nvPr/>
+        </p:nvPicPr>
+        <p:blipFill>
+          <a:blip r:embed="rId6" cstate="screen">
+            <a:extLst>
+              <a:ext uri="{28A0092B-C50C-407E-A947-70E740481C1C}">
+                <a14:useLocalDpi xmlns:a14="http://schemas.microsoft.com/office/drawing/2010/main"/>
+              </a:ext>
+            </a:extLst>
+          </a:blip>
+          <a:srcRect/>
+          <a:stretch>
+            <a:fillRect/>
+          </a:stretch>
+        </p:blipFill>
+        <p:spPr bwMode="auto">
+          <a:xfrm>
+            <a:off x="7523898" y="5218092"/>
+            <a:ext cx="1162902" cy="1268619"/>
+          </a:xfrm>
+          <a:prstGeom prst="rect">
+            <a:avLst/>
+          </a:prstGeom>
+          <a:noFill/>
+          <a:ln>
+            <a:noFill/>
+          </a:ln>
+          <a:effectLst/>
+          <a:extLst>
+            <a:ext uri="{909E8E84-426E-40DD-AFC4-6F175D3DCCD1}">
+              <a14:hiddenFill xmlns:a14="http://schemas.microsoft.com/office/drawing/2010/main">
+                <a:solidFill>
+                  <a:schemeClr val="accent1"/>
+                </a:solidFill>
+              </a14:hiddenFill>
+            </a:ext>
+            <a:ext uri="{91240B29-F687-4F45-9708-019B960494DF}">
+              <a14:hiddenLine xmlns:a14="http://schemas.microsoft.com/office/drawing/2010/main" w="9525">
+                <a:solidFill>
+                  <a:schemeClr val="tx1"/>
+                </a:solidFill>
+                <a:miter lim="800000"/>
+                <a:headEnd/>
+                <a:tailEnd/>
+              </a14:hiddenLine>
+            </a:ext>
+            <a:ext uri="{AF507438-7753-43E0-B8FC-AC1667EBCBE1}">
+              <a14:hiddenEffects xmlns:a14="http://schemas.microsoft.com/office/drawing/2010/main">
+                <a:effectLst>
+                  <a:outerShdw dist="35921" dir="2700000" algn="ctr" rotWithShape="0">
+                    <a:schemeClr val="bg2"/>
+                  </a:outerShdw>
+                </a:effectLst>
+              </a14:hiddenEffects>
+            </a:ext>
+          </a:extLst>
+        </p:spPr>
+      </p:pic>
+      <p:pic>
+        <p:nvPicPr>
+          <p:cNvPr id="1028" name="Picture 4">
+            <a:hlinkClick r:id="rId3" tooltip="Telerik Software Academy"/>
+          </p:cNvPr>
+          <p:cNvPicPr>
+            <a:picLocks noChangeAspect="1" noChangeArrowheads="1"/>
+          </p:cNvPicPr>
+          <p:nvPr/>
+        </p:nvPicPr>
+        <p:blipFill>
+          <a:blip r:embed="rId7">
+            <a:extLst>
+              <a:ext uri="{28A0092B-C50C-407E-A947-70E740481C1C}">
+                <a14:useLocalDpi xmlns:a14="http://schemas.microsoft.com/office/drawing/2010/main"/>
+              </a:ext>
+            </a:extLst>
+          </a:blip>
+          <a:srcRect/>
+          <a:stretch>
+            <a:fillRect/>
+          </a:stretch>
+        </p:blipFill>
+        <p:spPr bwMode="auto">
+          <a:xfrm>
+            <a:off x="5548941" y="2667000"/>
+            <a:ext cx="3137859" cy="918234"/>
+          </a:xfrm>
+          <a:prstGeom prst="rect">
+            <a:avLst/>
+          </a:prstGeom>
+          <a:noFill/>
+          <a:ln>
+            <a:solidFill>
+              <a:srgbClr val="9BCC00"/>
+            </a:solidFill>
+          </a:ln>
+          <a:extLst>
+            <a:ext uri="{909E8E84-426E-40DD-AFC4-6F175D3DCCD1}">
+              <a14:hiddenFill xmlns:a14="http://schemas.microsoft.com/office/drawing/2010/main">
+                <a:solidFill>
+                  <a:srgbClr val="FFFFFF"/>
+                </a:solidFill>
+              </a14:hiddenFill>
+            </a:ext>
+          </a:extLst>
+        </p:spPr>
+      </p:pic>
+      <p:pic>
+        <p:nvPicPr>
+          <p:cNvPr id="1037" name="Picture 13">
+            <a:hlinkClick r:id="rId8" tooltip="Telerik Academy @ Facebook"/>
+          </p:cNvPr>
+          <p:cNvPicPr>
+            <a:picLocks noChangeAspect="1" noChangeArrowheads="1"/>
+          </p:cNvPicPr>
+          <p:nvPr/>
+        </p:nvPicPr>
+        <p:blipFill>
+          <a:blip r:embed="rId9">
+            <a:extLst>
+              <a:ext uri="{28A0092B-C50C-407E-A947-70E740481C1C}">
+                <a14:useLocalDpi xmlns:a14="http://schemas.microsoft.com/office/drawing/2010/main"/>
+              </a:ext>
+            </a:extLst>
+          </a:blip>
+          <a:srcRect/>
+          <a:stretch>
+            <a:fillRect/>
+          </a:stretch>
+        </p:blipFill>
+        <p:spPr bwMode="auto">
+          <a:xfrm>
+            <a:off x="7748587" y="4003901"/>
+            <a:ext cx="938213" cy="938213"/>
+          </a:xfrm>
+          <a:prstGeom prst="rect">
+            <a:avLst/>
+          </a:prstGeom>
+          <a:noFill/>
+          <a:ln>
+            <a:noFill/>
+          </a:ln>
+          <a:effectLst/>
+          <a:extLst>
+            <a:ext uri="{909E8E84-426E-40DD-AFC4-6F175D3DCCD1}">
+              <a14:hiddenFill xmlns:a14="http://schemas.microsoft.com/office/drawing/2010/main">
+                <a:solidFill>
+                  <a:schemeClr val="accent1"/>
+                </a:solidFill>
+              </a14:hiddenFill>
+            </a:ext>
+            <a:ext uri="{91240B29-F687-4F45-9708-019B960494DF}">
+              <a14:hiddenLine xmlns:a14="http://schemas.microsoft.com/office/drawing/2010/main" w="9525">
+                <a:solidFill>
+                  <a:schemeClr val="tx1"/>
+                </a:solidFill>
+                <a:miter lim="800000"/>
+                <a:headEnd/>
+                <a:tailEnd/>
+              </a14:hiddenLine>
+            </a:ext>
+            <a:ext uri="{AF507438-7753-43E0-B8FC-AC1667EBCBE1}">
+              <a14:hiddenEffects xmlns:a14="http://schemas.microsoft.com/office/drawing/2010/main">
+                <a:effectLst>
+                  <a:outerShdw dist="35921" dir="2700000" algn="ctr" rotWithShape="0">
+                    <a:schemeClr val="bg2"/>
+                  </a:outerShdw>
+                </a:effectLst>
+              </a14:hiddenEffects>
+            </a:ext>
+          </a:extLst>
+        </p:spPr>
+      </p:pic>
+      <p:pic>
+        <p:nvPicPr>
+          <p:cNvPr id="2" name="Picture 1">
+            <a:hlinkClick r:id="rId2"/>
+          </p:cNvPr>
+          <p:cNvPicPr>
+            <a:picLocks noChangeAspect="1"/>
+          </p:cNvPicPr>
+          <p:nvPr/>
+        </p:nvPicPr>
+        <p:blipFill>
+          <a:blip r:embed="rId10" cstate="screen">
+            <a:extLst>
+              <a:ext uri="{28A0092B-C50C-407E-A947-70E740481C1C}">
+                <a14:useLocalDpi xmlns:a14="http://schemas.microsoft.com/office/drawing/2010/main"/>
+              </a:ext>
+            </a:extLst>
+          </a:blip>
+          <a:stretch>
+            <a:fillRect/>
+          </a:stretch>
+        </p:blipFill>
+        <p:spPr>
+          <a:xfrm>
+            <a:off x="7562025" y="1123558"/>
+            <a:ext cx="1124775" cy="1124775"/>
+          </a:xfrm>
+          <a:prstGeom prst="rect">
+            <a:avLst/>
+          </a:prstGeom>
+        </p:spPr>
+      </p:pic>
+    </p:spTree>
+    <p:extLst>
+      <p:ext uri="{BB962C8B-B14F-4D97-AF65-F5344CB8AC3E}">
+        <p14:creationId xmlns:p14="http://schemas.microsoft.com/office/powerpoint/2010/main" val="2562842203"/>
+      </p:ext>
+    </p:extLst>
+  </p:cSld>
+  <p:clrMapOvr>
+    <a:masterClrMapping/>
+  </p:clrMapOvr>
+  <p:timing>
+    <p:tnLst>
+      <p:par>
+        <p:cTn id="1" dur="indefinite" restart="never" nodeType="tmRoot"/>
+      </p:par>
+    </p:tnLst>
+  </p:timing>
+</p:sld>
+</file>
+
 <file path=ppt/slides/slide2.xml><?xml version="1.0" encoding="utf-8"?>
 <p:sld xmlns:a="http://schemas.openxmlformats.org/drawingml/2006/main" xmlns:r="http://schemas.openxmlformats.org/officeDocument/2006/relationships" xmlns:p="http://schemas.openxmlformats.org/presentationml/2006/main">
   <p:cSld>
@@ -7174,19 +7639,6 @@
               <a:rPr lang="en-US" sz="2400" dirty="0" smtClean="0"/>
               <a:t> Team</a:t>
             </a:r>
-          </a:p>
-          <a:p>
-            <a:pPr lvl="1">
-              <a:lnSpc>
-                <a:spcPct val="100000"/>
-              </a:lnSpc>
-              <a:spcBef>
-                <a:spcPts val="300"/>
-              </a:spcBef>
-              <a:spcAft>
-                <a:spcPts val="300"/>
-              </a:spcAft>
-            </a:pPr>
             <a:endParaRPr lang="en-US" sz="2400" dirty="0"/>
           </a:p>
           <a:p>
@@ -7203,20 +7655,6 @@
               <a:buNone/>
             </a:pPr>
             <a:endParaRPr lang="en-US" sz="2400" dirty="0"/>
-          </a:p>
-          <a:p>
-            <a:pPr lvl="1">
-              <a:lnSpc>
-                <a:spcPct val="100000"/>
-              </a:lnSpc>
-              <a:spcBef>
-                <a:spcPts val="300"/>
-              </a:spcBef>
-              <a:spcAft>
-                <a:spcPts val="300"/>
-              </a:spcAft>
-            </a:pPr>
-            <a:endParaRPr lang="en-US" dirty="0"/>
           </a:p>
         </p:txBody>
       </p:sp>
@@ -7303,7 +7741,7 @@
         </p:nvSpPr>
         <p:spPr>
           <a:xfrm>
-            <a:off x="5549451" y="5533037"/>
+            <a:off x="5530407" y="5665451"/>
             <a:ext cx="3990513" cy="400110"/>
           </a:xfrm>
           <a:prstGeom prst="rect">
@@ -7572,7 +8010,7 @@
         </p:nvSpPr>
         <p:spPr>
           <a:xfrm>
-            <a:off x="5549452" y="5837837"/>
+            <a:off x="5530408" y="6065561"/>
             <a:ext cx="3990513" cy="369332"/>
           </a:xfrm>
           <a:prstGeom prst="rect">
@@ -7828,6 +8266,546 @@
                 <a:hlinkClick r:id="rId3"/>
               </a:rPr>
               <a:t>Dimitar.Topuzov@Telerik.com</a:t>
+            </a:r>
+            <a:endParaRPr lang="en-US" dirty="0"/>
+          </a:p>
+        </p:txBody>
+      </p:sp>
+      <p:sp>
+        <p:nvSpPr>
+          <p:cNvPr id="8" name="Text Placeholder 13"/>
+          <p:cNvSpPr>
+            <a:spLocks noGrp="1"/>
+          </p:cNvSpPr>
+          <p:nvPr/>
+        </p:nvSpPr>
+        <p:spPr>
+          <a:xfrm>
+            <a:off x="510540" y="6065561"/>
+            <a:ext cx="4574646" cy="369332"/>
+          </a:xfrm>
+          <a:prstGeom prst="rect">
+            <a:avLst/>
+          </a:prstGeom>
+          <a:noFill/>
+        </p:spPr>
+        <p:txBody>
+          <a:bodyPr wrap="square" rtlCol="0">
+            <a:spAutoFit/>
+          </a:bodyPr>
+          <a:lstStyle>
+            <a:lvl1pPr marL="319088" indent="-319088" algn="l" rtl="0" eaLnBrk="1" fontAlgn="base" hangingPunct="1">
+              <a:spcBef>
+                <a:spcPct val="20000"/>
+              </a:spcBef>
+              <a:spcAft>
+                <a:spcPct val="0"/>
+              </a:spcAft>
+              <a:buClr>
+                <a:schemeClr val="accent5">
+                  <a:lumMod val="40000"/>
+                  <a:lumOff val="60000"/>
+                </a:schemeClr>
+              </a:buClr>
+              <a:buSzPct val="70000"/>
+              <a:buFont typeface="Wingdings 2" pitchFamily="18" charset="2"/>
+              <a:buNone/>
+              <a:defRPr lang="en-US" sz="1800" b="1" kern="1200" dirty="0">
+                <a:solidFill>
+                  <a:schemeClr val="tx2">
+                    <a:lumMod val="20000"/>
+                    <a:lumOff val="80000"/>
+                  </a:schemeClr>
+                </a:solidFill>
+                <a:effectLst>
+                  <a:outerShdw blurRad="38100" dist="38100" dir="2700000" algn="tl">
+                    <a:srgbClr val="000000">
+                      <a:alpha val="43137"/>
+                    </a:srgbClr>
+                  </a:outerShdw>
+                </a:effectLst>
+                <a:latin typeface="Corbel" pitchFamily="34" charset="0"/>
+                <a:ea typeface="+mn-ea"/>
+                <a:cs typeface="+mn-cs"/>
+              </a:defRPr>
+            </a:lvl1pPr>
+            <a:lvl2pPr marL="630238" indent="-273050" algn="l" rtl="0" eaLnBrk="1" fontAlgn="base" hangingPunct="1">
+              <a:spcBef>
+                <a:spcPct val="20000"/>
+              </a:spcBef>
+              <a:spcAft>
+                <a:spcPct val="0"/>
+              </a:spcAft>
+              <a:buClr>
+                <a:schemeClr val="accent2">
+                  <a:lumMod val="60000"/>
+                  <a:lumOff val="40000"/>
+                </a:schemeClr>
+              </a:buClr>
+              <a:buFont typeface="Wingdings 2" pitchFamily="18" charset="2"/>
+              <a:buChar char=""/>
+              <a:defRPr sz="3000" b="1" kern="1200">
+                <a:solidFill>
+                  <a:schemeClr val="tx1">
+                    <a:lumMod val="20000"/>
+                    <a:lumOff val="80000"/>
+                  </a:schemeClr>
+                </a:solidFill>
+                <a:effectLst>
+                  <a:outerShdw blurRad="38100" dist="38100" dir="2700000" algn="tl">
+                    <a:srgbClr val="000000">
+                      <a:alpha val="43137"/>
+                    </a:srgbClr>
+                  </a:outerShdw>
+                </a:effectLst>
+                <a:latin typeface="+mn-lt"/>
+                <a:ea typeface="+mn-ea"/>
+                <a:cs typeface="+mn-cs"/>
+              </a:defRPr>
+            </a:lvl2pPr>
+            <a:lvl3pPr marL="922338" indent="-273050" algn="l" rtl="0" eaLnBrk="1" fontAlgn="base" hangingPunct="1">
+              <a:spcBef>
+                <a:spcPct val="20000"/>
+              </a:spcBef>
+              <a:spcAft>
+                <a:spcPct val="0"/>
+              </a:spcAft>
+              <a:buClr>
+                <a:schemeClr val="tx1">
+                  <a:lumMod val="50000"/>
+                </a:schemeClr>
+              </a:buClr>
+              <a:buFont typeface="Wingdings 2" pitchFamily="18" charset="2"/>
+              <a:buChar char=""/>
+              <a:defRPr sz="2800" b="1" kern="1200">
+                <a:solidFill>
+                  <a:schemeClr val="tx1">
+                    <a:lumMod val="20000"/>
+                    <a:lumOff val="80000"/>
+                  </a:schemeClr>
+                </a:solidFill>
+                <a:effectLst>
+                  <a:outerShdw blurRad="38100" dist="38100" dir="2700000" algn="tl">
+                    <a:srgbClr val="000000">
+                      <a:alpha val="43137"/>
+                    </a:srgbClr>
+                  </a:outerShdw>
+                </a:effectLst>
+                <a:latin typeface="+mn-lt"/>
+                <a:ea typeface="+mn-ea"/>
+                <a:cs typeface="+mn-cs"/>
+              </a:defRPr>
+            </a:lvl3pPr>
+            <a:lvl4pPr marL="1187450" indent="-228600" algn="l" rtl="0" eaLnBrk="1" fontAlgn="base" hangingPunct="1">
+              <a:spcBef>
+                <a:spcPct val="20000"/>
+              </a:spcBef>
+              <a:spcAft>
+                <a:spcPct val="0"/>
+              </a:spcAft>
+              <a:buClr>
+                <a:srgbClr val="F8BD52"/>
+              </a:buClr>
+              <a:buFont typeface="Wingdings 2" pitchFamily="18" charset="2"/>
+              <a:buChar char=""/>
+              <a:defRPr sz="2600" b="1" kern="1200">
+                <a:solidFill>
+                  <a:schemeClr val="tx1">
+                    <a:lumMod val="20000"/>
+                    <a:lumOff val="80000"/>
+                  </a:schemeClr>
+                </a:solidFill>
+                <a:effectLst>
+                  <a:outerShdw blurRad="38100" dist="38100" dir="2700000" algn="tl">
+                    <a:srgbClr val="000000">
+                      <a:alpha val="43137"/>
+                    </a:srgbClr>
+                  </a:outerShdw>
+                </a:effectLst>
+                <a:latin typeface="+mn-lt"/>
+                <a:ea typeface="+mn-ea"/>
+                <a:cs typeface="+mn-cs"/>
+              </a:defRPr>
+            </a:lvl4pPr>
+            <a:lvl5pPr marL="1425575" indent="-228600" algn="l" rtl="0" eaLnBrk="1" fontAlgn="base" hangingPunct="1">
+              <a:spcBef>
+                <a:spcPct val="20000"/>
+              </a:spcBef>
+              <a:spcAft>
+                <a:spcPct val="0"/>
+              </a:spcAft>
+              <a:buClr>
+                <a:srgbClr val="46A6BD"/>
+              </a:buClr>
+              <a:buFont typeface="Wingdings 2" pitchFamily="18" charset="2"/>
+              <a:buChar char=""/>
+              <a:defRPr sz="2400" b="1" kern="1200">
+                <a:solidFill>
+                  <a:schemeClr val="tx1">
+                    <a:lumMod val="20000"/>
+                    <a:lumOff val="80000"/>
+                  </a:schemeClr>
+                </a:solidFill>
+                <a:effectLst>
+                  <a:outerShdw blurRad="38100" dist="38100" dir="2700000" algn="tl">
+                    <a:srgbClr val="000000">
+                      <a:alpha val="43137"/>
+                    </a:srgbClr>
+                  </a:outerShdw>
+                </a:effectLst>
+                <a:latin typeface="+mn-lt"/>
+                <a:ea typeface="+mn-ea"/>
+                <a:cs typeface="+mn-cs"/>
+              </a:defRPr>
+            </a:lvl5pPr>
+            <a:lvl6pPr marL="1673352" indent="-228600" algn="l" rtl="0" eaLnBrk="1" latinLnBrk="0" hangingPunct="1">
+              <a:spcBef>
+                <a:spcPct val="20000"/>
+              </a:spcBef>
+              <a:buClr>
+                <a:schemeClr val="accent6"/>
+              </a:buClr>
+              <a:buFont typeface="Wingdings 2"/>
+              <a:buChar char=""/>
+              <a:defRPr sz="1800" kern="1200">
+                <a:solidFill>
+                  <a:schemeClr val="tx1"/>
+                </a:solidFill>
+                <a:latin typeface="+mn-lt"/>
+                <a:ea typeface="+mn-ea"/>
+                <a:cs typeface="+mn-cs"/>
+              </a:defRPr>
+            </a:lvl6pPr>
+            <a:lvl7pPr marL="1911096" indent="-228600" algn="l" rtl="0" eaLnBrk="1" latinLnBrk="0" hangingPunct="1">
+              <a:spcBef>
+                <a:spcPct val="20000"/>
+              </a:spcBef>
+              <a:buClr>
+                <a:schemeClr val="tx2"/>
+              </a:buClr>
+              <a:buFont typeface="Wingdings 2"/>
+              <a:buChar char=""/>
+              <a:defRPr sz="1600" kern="1200">
+                <a:solidFill>
+                  <a:schemeClr val="tx1"/>
+                </a:solidFill>
+                <a:latin typeface="+mn-lt"/>
+                <a:ea typeface="+mn-ea"/>
+                <a:cs typeface="+mn-cs"/>
+              </a:defRPr>
+            </a:lvl7pPr>
+            <a:lvl8pPr marL="2121408" indent="-182880" algn="l" rtl="0" eaLnBrk="1" latinLnBrk="0" hangingPunct="1">
+              <a:spcBef>
+                <a:spcPct val="20000"/>
+              </a:spcBef>
+              <a:buClr>
+                <a:schemeClr val="tx2"/>
+              </a:buClr>
+              <a:buFont typeface="Wingdings 2"/>
+              <a:buChar char=""/>
+              <a:defRPr sz="1400" kern="1200">
+                <a:solidFill>
+                  <a:schemeClr val="tx1"/>
+                </a:solidFill>
+                <a:latin typeface="+mn-lt"/>
+                <a:ea typeface="+mn-ea"/>
+                <a:cs typeface="+mn-cs"/>
+              </a:defRPr>
+            </a:lvl8pPr>
+            <a:lvl9pPr marL="2322576" indent="-182880" algn="l" rtl="0" eaLnBrk="1" latinLnBrk="0" hangingPunct="1">
+              <a:spcBef>
+                <a:spcPct val="20000"/>
+              </a:spcBef>
+              <a:buClr>
+                <a:schemeClr val="tx2"/>
+              </a:buClr>
+              <a:buFont typeface="Wingdings 2"/>
+              <a:buChar char=""/>
+              <a:defRPr sz="1400" kern="1200">
+                <a:solidFill>
+                  <a:schemeClr val="tx1"/>
+                </a:solidFill>
+                <a:latin typeface="+mn-lt"/>
+                <a:ea typeface="+mn-ea"/>
+                <a:cs typeface="+mn-cs"/>
+              </a:defRPr>
+            </a:lvl9pPr>
+          </a:lstStyle>
+          <a:p>
+            <a:r>
+              <a:rPr lang="en-US" dirty="0">
+                <a:hlinkClick r:id="rId4"/>
+              </a:rPr>
+              <a:t>https://github.com/dtopuzov/qa-academy</a:t>
+            </a:r>
+            <a:endParaRPr lang="en-US" dirty="0"/>
+          </a:p>
+        </p:txBody>
+      </p:sp>
+      <p:sp>
+        <p:nvSpPr>
+          <p:cNvPr id="12" name="Text Placeholder 12"/>
+          <p:cNvSpPr>
+            <a:spLocks noGrp="1"/>
+          </p:cNvSpPr>
+          <p:nvPr/>
+        </p:nvSpPr>
+        <p:spPr>
+          <a:xfrm>
+            <a:off x="510540" y="5647520"/>
+            <a:ext cx="3990513" cy="400110"/>
+          </a:xfrm>
+          <a:prstGeom prst="rect">
+            <a:avLst/>
+          </a:prstGeom>
+          <a:noFill/>
+        </p:spPr>
+        <p:txBody>
+          <a:bodyPr wrap="square" rtlCol="0">
+            <a:spAutoFit/>
+          </a:bodyPr>
+          <a:lstStyle>
+            <a:lvl1pPr marL="319088" indent="-319088" algn="l" rtl="0" eaLnBrk="1" fontAlgn="base" hangingPunct="1">
+              <a:spcBef>
+                <a:spcPct val="20000"/>
+              </a:spcBef>
+              <a:spcAft>
+                <a:spcPct val="0"/>
+              </a:spcAft>
+              <a:buClr>
+                <a:schemeClr val="accent5">
+                  <a:lumMod val="40000"/>
+                  <a:lumOff val="60000"/>
+                </a:schemeClr>
+              </a:buClr>
+              <a:buSzPct val="70000"/>
+              <a:buFont typeface="Wingdings 2" pitchFamily="18" charset="2"/>
+              <a:buNone/>
+              <a:defRPr lang="en-US" sz="2000" b="1" kern="1200" dirty="0">
+                <a:solidFill>
+                  <a:schemeClr val="tx2">
+                    <a:lumMod val="20000"/>
+                    <a:lumOff val="80000"/>
+                  </a:schemeClr>
+                </a:solidFill>
+                <a:effectLst>
+                  <a:outerShdw blurRad="38100" dist="38100" dir="2700000" algn="tl">
+                    <a:srgbClr val="000000">
+                      <a:alpha val="43137"/>
+                    </a:srgbClr>
+                  </a:outerShdw>
+                </a:effectLst>
+                <a:latin typeface="Corbel" pitchFamily="34" charset="0"/>
+                <a:ea typeface="+mn-ea"/>
+                <a:cs typeface="+mn-cs"/>
+              </a:defRPr>
+            </a:lvl1pPr>
+            <a:lvl2pPr marL="630238" indent="-273050" algn="l" rtl="0" eaLnBrk="1" fontAlgn="base" hangingPunct="1">
+              <a:spcBef>
+                <a:spcPct val="20000"/>
+              </a:spcBef>
+              <a:spcAft>
+                <a:spcPct val="0"/>
+              </a:spcAft>
+              <a:buClr>
+                <a:schemeClr val="accent2">
+                  <a:lumMod val="60000"/>
+                  <a:lumOff val="40000"/>
+                </a:schemeClr>
+              </a:buClr>
+              <a:buFont typeface="Wingdings 2" pitchFamily="18" charset="2"/>
+              <a:buChar char=""/>
+              <a:defRPr sz="3000" b="1" kern="1200">
+                <a:solidFill>
+                  <a:schemeClr val="tx1">
+                    <a:lumMod val="20000"/>
+                    <a:lumOff val="80000"/>
+                  </a:schemeClr>
+                </a:solidFill>
+                <a:effectLst>
+                  <a:outerShdw blurRad="38100" dist="38100" dir="2700000" algn="tl">
+                    <a:srgbClr val="000000">
+                      <a:alpha val="43137"/>
+                    </a:srgbClr>
+                  </a:outerShdw>
+                </a:effectLst>
+                <a:latin typeface="+mn-lt"/>
+                <a:ea typeface="+mn-ea"/>
+                <a:cs typeface="+mn-cs"/>
+              </a:defRPr>
+            </a:lvl2pPr>
+            <a:lvl3pPr marL="922338" indent="-273050" algn="l" rtl="0" eaLnBrk="1" fontAlgn="base" hangingPunct="1">
+              <a:spcBef>
+                <a:spcPct val="20000"/>
+              </a:spcBef>
+              <a:spcAft>
+                <a:spcPct val="0"/>
+              </a:spcAft>
+              <a:buClr>
+                <a:schemeClr val="tx1">
+                  <a:lumMod val="50000"/>
+                </a:schemeClr>
+              </a:buClr>
+              <a:buFont typeface="Wingdings 2" pitchFamily="18" charset="2"/>
+              <a:buChar char=""/>
+              <a:defRPr sz="2800" b="1" kern="1200">
+                <a:solidFill>
+                  <a:schemeClr val="tx1">
+                    <a:lumMod val="20000"/>
+                    <a:lumOff val="80000"/>
+                  </a:schemeClr>
+                </a:solidFill>
+                <a:effectLst>
+                  <a:outerShdw blurRad="38100" dist="38100" dir="2700000" algn="tl">
+                    <a:srgbClr val="000000">
+                      <a:alpha val="43137"/>
+                    </a:srgbClr>
+                  </a:outerShdw>
+                </a:effectLst>
+                <a:latin typeface="+mn-lt"/>
+                <a:ea typeface="+mn-ea"/>
+                <a:cs typeface="+mn-cs"/>
+              </a:defRPr>
+            </a:lvl3pPr>
+            <a:lvl4pPr marL="1187450" indent="-228600" algn="l" rtl="0" eaLnBrk="1" fontAlgn="base" hangingPunct="1">
+              <a:spcBef>
+                <a:spcPct val="20000"/>
+              </a:spcBef>
+              <a:spcAft>
+                <a:spcPct val="0"/>
+              </a:spcAft>
+              <a:buClr>
+                <a:srgbClr val="F8BD52"/>
+              </a:buClr>
+              <a:buFont typeface="Wingdings 2" pitchFamily="18" charset="2"/>
+              <a:buChar char=""/>
+              <a:defRPr sz="2600" b="1" kern="1200">
+                <a:solidFill>
+                  <a:schemeClr val="tx1">
+                    <a:lumMod val="20000"/>
+                    <a:lumOff val="80000"/>
+                  </a:schemeClr>
+                </a:solidFill>
+                <a:effectLst>
+                  <a:outerShdw blurRad="38100" dist="38100" dir="2700000" algn="tl">
+                    <a:srgbClr val="000000">
+                      <a:alpha val="43137"/>
+                    </a:srgbClr>
+                  </a:outerShdw>
+                </a:effectLst>
+                <a:latin typeface="+mn-lt"/>
+                <a:ea typeface="+mn-ea"/>
+                <a:cs typeface="+mn-cs"/>
+              </a:defRPr>
+            </a:lvl4pPr>
+            <a:lvl5pPr marL="1425575" indent="-228600" algn="l" rtl="0" eaLnBrk="1" fontAlgn="base" hangingPunct="1">
+              <a:spcBef>
+                <a:spcPct val="20000"/>
+              </a:spcBef>
+              <a:spcAft>
+                <a:spcPct val="0"/>
+              </a:spcAft>
+              <a:buClr>
+                <a:srgbClr val="46A6BD"/>
+              </a:buClr>
+              <a:buFont typeface="Wingdings 2" pitchFamily="18" charset="2"/>
+              <a:buChar char=""/>
+              <a:defRPr sz="2400" b="1" kern="1200">
+                <a:solidFill>
+                  <a:schemeClr val="tx1">
+                    <a:lumMod val="20000"/>
+                    <a:lumOff val="80000"/>
+                  </a:schemeClr>
+                </a:solidFill>
+                <a:effectLst>
+                  <a:outerShdw blurRad="38100" dist="38100" dir="2700000" algn="tl">
+                    <a:srgbClr val="000000">
+                      <a:alpha val="43137"/>
+                    </a:srgbClr>
+                  </a:outerShdw>
+                </a:effectLst>
+                <a:latin typeface="+mn-lt"/>
+                <a:ea typeface="+mn-ea"/>
+                <a:cs typeface="+mn-cs"/>
+              </a:defRPr>
+            </a:lvl5pPr>
+            <a:lvl6pPr marL="1673352" indent="-228600" algn="l" rtl="0" eaLnBrk="1" latinLnBrk="0" hangingPunct="1">
+              <a:spcBef>
+                <a:spcPct val="20000"/>
+              </a:spcBef>
+              <a:buClr>
+                <a:schemeClr val="accent6"/>
+              </a:buClr>
+              <a:buFont typeface="Wingdings 2"/>
+              <a:buChar char=""/>
+              <a:defRPr sz="1800" kern="1200">
+                <a:solidFill>
+                  <a:schemeClr val="tx1"/>
+                </a:solidFill>
+                <a:latin typeface="+mn-lt"/>
+                <a:ea typeface="+mn-ea"/>
+                <a:cs typeface="+mn-cs"/>
+              </a:defRPr>
+            </a:lvl6pPr>
+            <a:lvl7pPr marL="1911096" indent="-228600" algn="l" rtl="0" eaLnBrk="1" latinLnBrk="0" hangingPunct="1">
+              <a:spcBef>
+                <a:spcPct val="20000"/>
+              </a:spcBef>
+              <a:buClr>
+                <a:schemeClr val="tx2"/>
+              </a:buClr>
+              <a:buFont typeface="Wingdings 2"/>
+              <a:buChar char=""/>
+              <a:defRPr sz="1600" kern="1200">
+                <a:solidFill>
+                  <a:schemeClr val="tx1"/>
+                </a:solidFill>
+                <a:latin typeface="+mn-lt"/>
+                <a:ea typeface="+mn-ea"/>
+                <a:cs typeface="+mn-cs"/>
+              </a:defRPr>
+            </a:lvl7pPr>
+            <a:lvl8pPr marL="2121408" indent="-182880" algn="l" rtl="0" eaLnBrk="1" latinLnBrk="0" hangingPunct="1">
+              <a:spcBef>
+                <a:spcPct val="20000"/>
+              </a:spcBef>
+              <a:buClr>
+                <a:schemeClr val="tx2"/>
+              </a:buClr>
+              <a:buFont typeface="Wingdings 2"/>
+              <a:buChar char=""/>
+              <a:defRPr sz="1400" kern="1200">
+                <a:solidFill>
+                  <a:schemeClr val="tx1"/>
+                </a:solidFill>
+                <a:latin typeface="+mn-lt"/>
+                <a:ea typeface="+mn-ea"/>
+                <a:cs typeface="+mn-cs"/>
+              </a:defRPr>
+            </a:lvl8pPr>
+            <a:lvl9pPr marL="2322576" indent="-182880" algn="l" rtl="0" eaLnBrk="1" latinLnBrk="0" hangingPunct="1">
+              <a:spcBef>
+                <a:spcPct val="20000"/>
+              </a:spcBef>
+              <a:buClr>
+                <a:schemeClr val="tx2"/>
+              </a:buClr>
+              <a:buFont typeface="Wingdings 2"/>
+              <a:buChar char=""/>
+              <a:defRPr sz="1400" kern="1200">
+                <a:solidFill>
+                  <a:schemeClr val="tx1"/>
+                </a:solidFill>
+                <a:latin typeface="+mn-lt"/>
+                <a:ea typeface="+mn-ea"/>
+                <a:cs typeface="+mn-cs"/>
+              </a:defRPr>
+            </a:lvl9pPr>
+          </a:lstStyle>
+          <a:p>
+            <a:r>
+              <a:rPr lang="en-US" dirty="0" smtClean="0"/>
+              <a:t>Resources:</a:t>
             </a:r>
             <a:endParaRPr lang="en-US" dirty="0"/>
           </a:p>
@@ -8182,26 +9160,11 @@
                   </a:schemeClr>
                 </a:solidFill>
               </a:rPr>
-              <a:t>Free</a:t>
+              <a:t>Free .NET API</a:t>
             </a:r>
             <a:r>
               <a:rPr lang="en-US" dirty="0" smtClean="0"/>
-              <a:t> automation framework with </a:t>
-            </a:r>
-            <a:r>
-              <a:rPr lang="en-US" dirty="0" smtClean="0">
-                <a:solidFill>
-                  <a:schemeClr val="accent5">
-                    <a:lumMod val="20000"/>
-                    <a:lumOff val="80000"/>
-                  </a:schemeClr>
-                </a:solidFill>
-              </a:rPr>
-              <a:t>.NET API</a:t>
-            </a:r>
-            <a:r>
-              <a:rPr lang="en-US" dirty="0" smtClean="0"/>
-              <a:t> </a:t>
+              <a:t> for test automation</a:t>
             </a:r>
           </a:p>
           <a:p>
@@ -8216,7 +9179,7 @@
               <a:t>Support </a:t>
             </a:r>
             <a:r>
-              <a:rPr lang="en-US" dirty="0">
+              <a:rPr lang="en-US" dirty="0" smtClean="0">
                 <a:solidFill>
                   <a:schemeClr val="accent5">
                     <a:lumMod val="20000"/>
@@ -8320,12 +9283,8 @@
               <a:defRPr/>
             </a:pPr>
             <a:r>
-              <a:rPr lang="en-US" dirty="0"/>
-              <a:t>Wrappers for Telerik Rad </a:t>
-            </a:r>
-            <a:r>
               <a:rPr lang="en-US" dirty="0" smtClean="0"/>
-              <a:t>Controls</a:t>
+              <a:t>Browser abstraction</a:t>
             </a:r>
           </a:p>
           <a:p>
@@ -8337,19 +9296,15 @@
             </a:pPr>
             <a:r>
               <a:rPr lang="en-US" dirty="0" smtClean="0"/>
-              <a:t>Build-in handlers </a:t>
+              <a:t>Wrappers </a:t>
             </a:r>
             <a:r>
               <a:rPr lang="en-US" dirty="0"/>
-              <a:t>for Popups and </a:t>
+              <a:t>for Telerik Rad </a:t>
             </a:r>
             <a:r>
               <a:rPr lang="en-US" dirty="0" smtClean="0"/>
-              <a:t>Browser </a:t>
-            </a:r>
-            <a:r>
-              <a:rPr lang="en-US" dirty="0"/>
-              <a:t>Dialogs</a:t>
+              <a:t>Controls</a:t>
             </a:r>
           </a:p>
           <a:p>
@@ -8361,7 +9316,19 @@
             </a:pPr>
             <a:r>
               <a:rPr lang="en-US" dirty="0" smtClean="0"/>
-              <a:t>Element identification using LINQ</a:t>
+              <a:t>Build-in handlers </a:t>
+            </a:r>
+            <a:r>
+              <a:rPr lang="en-US" dirty="0"/>
+              <a:t>for Popups and </a:t>
+            </a:r>
+            <a:r>
+              <a:rPr lang="en-US" dirty="0" smtClean="0"/>
+              <a:t>Browser </a:t>
+            </a:r>
+            <a:r>
+              <a:rPr lang="en-US" dirty="0"/>
+              <a:t>Dialogs</a:t>
             </a:r>
           </a:p>
           <a:p>
@@ -8372,40 +9339,8 @@
               <a:defRPr/>
             </a:pPr>
             <a:r>
-              <a:rPr lang="en-US" dirty="0" err="1" smtClean="0"/>
-              <a:t>VsUnit</a:t>
-            </a:r>
-            <a:r>
               <a:rPr lang="en-US" dirty="0" smtClean="0"/>
-              <a:t>/</a:t>
-            </a:r>
-            <a:r>
-              <a:rPr lang="en-US" dirty="0" err="1" smtClean="0"/>
-              <a:t>NUnit</a:t>
-            </a:r>
-            <a:r>
-              <a:rPr lang="en-US" dirty="0" smtClean="0"/>
-              <a:t>/</a:t>
-            </a:r>
-            <a:r>
-              <a:rPr lang="en-US" dirty="0" err="1" smtClean="0"/>
-              <a:t>MbUnit</a:t>
-            </a:r>
-            <a:r>
-              <a:rPr lang="en-US" dirty="0" smtClean="0"/>
-              <a:t>/</a:t>
-            </a:r>
-            <a:r>
-              <a:rPr lang="en-US" dirty="0" err="1" smtClean="0"/>
-              <a:t>Xunit</a:t>
-            </a:r>
-            <a:r>
-              <a:rPr lang="en-US" dirty="0" smtClean="0"/>
-              <a:t>  </a:t>
-            </a:r>
-            <a:r>
-              <a:rPr lang="en-US" dirty="0" smtClean="0"/>
-              <a:t>templates</a:t>
+              <a:t>Element identification using LINQ</a:t>
             </a:r>
             <a:endParaRPr lang="en-US" dirty="0"/>
           </a:p>
@@ -8688,11 +9623,7 @@
             </a:r>
             <a:r>
               <a:rPr lang="en-US" dirty="0" smtClean="0"/>
-              <a:t>Framework vs. Selenium </a:t>
-            </a:r>
-            <a:r>
-              <a:rPr lang="en-US" dirty="0" err="1" smtClean="0"/>
-              <a:t>WebDriver</a:t>
+              <a:t>Framework vs. Selenium</a:t>
             </a:r>
             <a:endParaRPr lang="bg-BG" dirty="0" smtClean="0"/>
           </a:p>
@@ -8736,14 +9667,14 @@
           <p:nvPr>
             <p:extLst>
               <p:ext uri="{D42A27DB-BD31-4B8C-83A1-F6EECF244321}">
-                <p14:modId xmlns:p14="http://schemas.microsoft.com/office/powerpoint/2010/main" val="688238106"/>
+                <p14:modId xmlns:p14="http://schemas.microsoft.com/office/powerpoint/2010/main" val="4262321202"/>
               </p:ext>
             </p:extLst>
           </p:nvPr>
         </p:nvGraphicFramePr>
         <p:xfrm>
           <a:off x="1045030" y="2341981"/>
-          <a:ext cx="7156578" cy="2720901"/>
+          <a:ext cx="7156578" cy="3201148"/>
         </p:xfrm>
         <a:graphic>
           <a:graphicData uri="http://schemas.openxmlformats.org/drawingml/2006/table">
@@ -8752,9 +9683,9 @@
                 <a:tableStyleId>{C4B1156A-380E-4F78-BDF5-A606A8083BF9}</a:tableStyleId>
               </a:tblPr>
               <a:tblGrid>
-                <a:gridCol w="2416627"/>
-                <a:gridCol w="2276670"/>
-                <a:gridCol w="2463281"/>
+                <a:gridCol w="2742110"/>
+                <a:gridCol w="2232660"/>
+                <a:gridCol w="2181808"/>
               </a:tblGrid>
               <a:tr h="294331">
                 <a:tc>
@@ -8831,6 +9762,54 @@
                       <a:r>
                         <a:rPr lang="en-US" dirty="0" smtClean="0"/>
                         <a:t>Yes</a:t>
+                      </a:r>
+                      <a:endParaRPr lang="en-US" dirty="0"/>
+                    </a:p>
+                  </a:txBody>
+                  <a:tcPr/>
+                </a:tc>
+                <a:tc>
+                  <a:txBody>
+                    <a:bodyPr/>
+                    <a:lstStyle/>
+                    <a:p>
+                      <a:pPr algn="ctr"/>
+                      <a:r>
+                        <a:rPr lang="en-US" dirty="0" smtClean="0"/>
+                        <a:t>Yes</a:t>
+                      </a:r>
+                      <a:endParaRPr lang="en-US" dirty="0"/>
+                    </a:p>
+                  </a:txBody>
+                  <a:tcPr/>
+                </a:tc>
+              </a:tr>
+              <a:tr h="480247">
+                <a:tc>
+                  <a:txBody>
+                    <a:bodyPr/>
+                    <a:lstStyle/>
+                    <a:p>
+                      <a:r>
+                        <a:rPr lang="en-US" kern="1200" dirty="0" smtClean="0">
+                          <a:effectLst/>
+                        </a:rPr>
+                        <a:t>Headless Browsers support</a:t>
+                      </a:r>
+                      <a:endParaRPr lang="en-US" dirty="0"/>
+                    </a:p>
+                  </a:txBody>
+                  <a:tcPr/>
+                </a:tc>
+                <a:tc>
+                  <a:txBody>
+                    <a:bodyPr/>
+                    <a:lstStyle/>
+                    <a:p>
+                      <a:pPr algn="ctr"/>
+                      <a:r>
+                        <a:rPr lang="en-US" dirty="0" smtClean="0"/>
+                        <a:t>No</a:t>
                       </a:r>
                       <a:endParaRPr lang="en-US" dirty="0"/>
                     </a:p>
@@ -9088,8 +10067,8 @@
         </p:blipFill>
         <p:spPr>
           <a:xfrm>
-            <a:off x="1626448" y="1980142"/>
-            <a:ext cx="5797798" cy="4334632"/>
+            <a:off x="5249743" y="2673219"/>
+            <a:ext cx="3211568" cy="2401078"/>
           </a:xfrm>
           <a:prstGeom prst="rect">
             <a:avLst/>
@@ -9121,9 +10100,155 @@
             </a:pPr>
             <a:r>
               <a:rPr lang="en-US" dirty="0" smtClean="0"/>
-              <a:t>Testing Web and WPF Demos</a:t>
+              <a:t>Testing Web (Demo)</a:t>
             </a:r>
             <a:endParaRPr lang="bg-BG" dirty="0" smtClean="0"/>
+          </a:p>
+        </p:txBody>
+      </p:sp>
+      <p:sp>
+        <p:nvSpPr>
+          <p:cNvPr id="5" name="Rectangle 3"/>
+          <p:cNvSpPr>
+            <a:spLocks noGrp="1" noChangeArrowheads="1"/>
+          </p:cNvSpPr>
+          <p:nvPr>
+            <p:ph idx="1"/>
+          </p:nvPr>
+        </p:nvSpPr>
+        <p:spPr>
+          <a:xfrm>
+            <a:off x="228600" y="1194317"/>
+            <a:ext cx="8686800" cy="5358883"/>
+          </a:xfrm>
+        </p:spPr>
+        <p:txBody>
+          <a:bodyPr/>
+          <a:lstStyle/>
+          <a:p>
+            <a:pPr lvl="1">
+              <a:lnSpc>
+                <a:spcPct val="100000"/>
+              </a:lnSpc>
+              <a:defRPr/>
+            </a:pPr>
+            <a:r>
+              <a:rPr lang="en-US" dirty="0" smtClean="0"/>
+              <a:t>Getting started </a:t>
+            </a:r>
+            <a:endParaRPr lang="en-US" dirty="0"/>
+          </a:p>
+          <a:p>
+            <a:pPr lvl="2">
+              <a:lnSpc>
+                <a:spcPct val="100000"/>
+              </a:lnSpc>
+              <a:defRPr/>
+            </a:pPr>
+            <a:r>
+              <a:rPr lang="en-US" sz="2400" smtClean="0"/>
+              <a:t>Manager</a:t>
+            </a:r>
+            <a:r>
+              <a:rPr lang="en-US" sz="2400" dirty="0" smtClean="0"/>
+              <a:t>, Browser and Settings objects</a:t>
+            </a:r>
+          </a:p>
+          <a:p>
+            <a:pPr lvl="1">
+              <a:lnSpc>
+                <a:spcPct val="100000"/>
+              </a:lnSpc>
+              <a:defRPr/>
+            </a:pPr>
+            <a:r>
+              <a:rPr lang="en-US" dirty="0" smtClean="0"/>
+              <a:t>Locate elements</a:t>
+            </a:r>
+          </a:p>
+          <a:p>
+            <a:pPr lvl="2">
+              <a:lnSpc>
+                <a:spcPct val="100000"/>
+              </a:lnSpc>
+              <a:defRPr/>
+            </a:pPr>
+            <a:r>
+              <a:rPr lang="en-US" sz="2400" dirty="0" smtClean="0"/>
+              <a:t>Find.* methods</a:t>
+            </a:r>
+          </a:p>
+          <a:p>
+            <a:pPr lvl="2">
+              <a:lnSpc>
+                <a:spcPct val="100000"/>
+              </a:lnSpc>
+              <a:defRPr/>
+            </a:pPr>
+            <a:r>
+              <a:rPr lang="en-US" sz="2400" dirty="0" err="1" smtClean="0"/>
+              <a:t>HtmlFindExpressions</a:t>
+            </a:r>
+            <a:endParaRPr lang="en-US" sz="2400" dirty="0" smtClean="0"/>
+          </a:p>
+          <a:p>
+            <a:pPr lvl="2">
+              <a:lnSpc>
+                <a:spcPct val="100000"/>
+              </a:lnSpc>
+              <a:defRPr/>
+            </a:pPr>
+            <a:r>
+              <a:rPr lang="en-US" sz="2400" dirty="0" err="1" smtClean="0"/>
+              <a:t>Linq</a:t>
+            </a:r>
+            <a:endParaRPr lang="en-US" sz="2400" dirty="0" smtClean="0"/>
+          </a:p>
+          <a:p>
+            <a:pPr lvl="1">
+              <a:lnSpc>
+                <a:spcPct val="100000"/>
+              </a:lnSpc>
+              <a:defRPr/>
+            </a:pPr>
+            <a:r>
+              <a:rPr lang="en-US" dirty="0" smtClean="0"/>
+              <a:t>Perform actions</a:t>
+            </a:r>
+          </a:p>
+          <a:p>
+            <a:pPr lvl="2">
+              <a:lnSpc>
+                <a:spcPct val="100000"/>
+              </a:lnSpc>
+              <a:defRPr/>
+            </a:pPr>
+            <a:r>
+              <a:rPr lang="en-US" sz="2400" dirty="0" smtClean="0"/>
+              <a:t>Methods of  </a:t>
+            </a:r>
+            <a:r>
+              <a:rPr lang="en-US" sz="2400" dirty="0" err="1" smtClean="0"/>
+              <a:t>HtmlControls</a:t>
+            </a:r>
+            <a:endParaRPr lang="en-US" sz="2400" dirty="0" smtClean="0"/>
+          </a:p>
+          <a:p>
+            <a:pPr lvl="2">
+              <a:lnSpc>
+                <a:spcPct val="100000"/>
+              </a:lnSpc>
+              <a:defRPr/>
+            </a:pPr>
+            <a:r>
+              <a:rPr lang="en-US" sz="2400" dirty="0" err="1" smtClean="0"/>
+              <a:t>KeyBoard</a:t>
+            </a:r>
+            <a:r>
+              <a:rPr lang="en-US" sz="2400" dirty="0" smtClean="0"/>
+              <a:t> and Mouse classes</a:t>
+            </a:r>
+            <a:endParaRPr lang="en-US" sz="2400" dirty="0"/>
           </a:p>
         </p:txBody>
       </p:sp>
@@ -9149,6 +10274,264 @@
 </file>
 
 <file path=ppt/slides/slide8.xml><?xml version="1.0" encoding="utf-8"?>
+<p:sld xmlns:a="http://schemas.openxmlformats.org/drawingml/2006/main" xmlns:r="http://schemas.openxmlformats.org/officeDocument/2006/relationships" xmlns:p="http://schemas.openxmlformats.org/presentationml/2006/main">
+  <p:cSld>
+    <p:spTree>
+      <p:nvGrpSpPr>
+        <p:cNvPr id="1" name=""/>
+        <p:cNvGrpSpPr/>
+        <p:nvPr/>
+      </p:nvGrpSpPr>
+      <p:grpSpPr>
+        <a:xfrm>
+          <a:off x="0" y="0"/>
+          <a:ext cx="0" cy="0"/>
+          <a:chOff x="0" y="0"/>
+          <a:chExt cx="0" cy="0"/>
+        </a:xfrm>
+      </p:grpSpPr>
+      <p:sp>
+        <p:nvSpPr>
+          <p:cNvPr id="4" name="Slide Number Placeholder 3"/>
+          <p:cNvSpPr>
+            <a:spLocks noGrp="1"/>
+          </p:cNvSpPr>
+          <p:nvPr>
+            <p:ph type="sldNum" sz="quarter" idx="10"/>
+          </p:nvPr>
+        </p:nvSpPr>
+        <p:spPr/>
+        <p:txBody>
+          <a:bodyPr/>
+          <a:lstStyle/>
+          <a:p>
+            <a:pPr>
+              <a:defRPr/>
+            </a:pPr>
+            <a:fld id="{58452FF4-89E3-4D1B-9927-2DBDC00E58D7}" type="slidenum">
+              <a:rPr lang="en-US" smtClean="0"/>
+              <a:pPr>
+                <a:defRPr/>
+              </a:pPr>
+              <a:t>8</a:t>
+            </a:fld>
+            <a:endParaRPr lang="en-US" dirty="0"/>
+          </a:p>
+        </p:txBody>
+      </p:sp>
+      <p:pic>
+        <p:nvPicPr>
+          <p:cNvPr id="2" name="Picture 1"/>
+          <p:cNvPicPr>
+            <a:picLocks noChangeAspect="1"/>
+          </p:cNvPicPr>
+          <p:nvPr/>
+        </p:nvPicPr>
+        <p:blipFill>
+          <a:blip r:embed="rId2"/>
+          <a:stretch>
+            <a:fillRect/>
+          </a:stretch>
+        </p:blipFill>
+        <p:spPr>
+          <a:xfrm>
+            <a:off x="5249743" y="2673219"/>
+            <a:ext cx="3211568" cy="2401078"/>
+          </a:xfrm>
+          <a:prstGeom prst="rect">
+            <a:avLst/>
+          </a:prstGeom>
+        </p:spPr>
+      </p:pic>
+      <p:sp>
+        <p:nvSpPr>
+          <p:cNvPr id="7" name="Rectangle 2"/>
+          <p:cNvSpPr>
+            <a:spLocks noGrp="1" noChangeArrowheads="1"/>
+          </p:cNvSpPr>
+          <p:nvPr>
+            <p:ph type="title"/>
+          </p:nvPr>
+        </p:nvSpPr>
+        <p:spPr>
+          <a:xfrm>
+            <a:off x="2174033" y="188640"/>
+            <a:ext cx="6741367" cy="1224524"/>
+          </a:xfrm>
+        </p:spPr>
+        <p:txBody>
+          <a:bodyPr/>
+          <a:lstStyle/>
+          <a:p>
+            <a:pPr>
+              <a:defRPr/>
+            </a:pPr>
+            <a:r>
+              <a:rPr lang="en-US" dirty="0" smtClean="0"/>
+              <a:t>Testing WPF (Demo)</a:t>
+            </a:r>
+            <a:endParaRPr lang="bg-BG" dirty="0" smtClean="0"/>
+          </a:p>
+        </p:txBody>
+      </p:sp>
+      <p:sp>
+        <p:nvSpPr>
+          <p:cNvPr id="5" name="Rectangle 3"/>
+          <p:cNvSpPr>
+            <a:spLocks noGrp="1" noChangeArrowheads="1"/>
+          </p:cNvSpPr>
+          <p:nvPr>
+            <p:ph idx="1"/>
+          </p:nvPr>
+        </p:nvSpPr>
+        <p:spPr>
+          <a:xfrm>
+            <a:off x="228600" y="1194317"/>
+            <a:ext cx="8686800" cy="5358883"/>
+          </a:xfrm>
+        </p:spPr>
+        <p:txBody>
+          <a:bodyPr/>
+          <a:lstStyle/>
+          <a:p>
+            <a:pPr lvl="1">
+              <a:lnSpc>
+                <a:spcPct val="100000"/>
+              </a:lnSpc>
+              <a:defRPr/>
+            </a:pPr>
+            <a:r>
+              <a:rPr lang="en-US" dirty="0" smtClean="0"/>
+              <a:t>Getting started </a:t>
+            </a:r>
+          </a:p>
+          <a:p>
+            <a:pPr lvl="2">
+              <a:lnSpc>
+                <a:spcPct val="100000"/>
+              </a:lnSpc>
+              <a:defRPr/>
+            </a:pPr>
+            <a:r>
+              <a:rPr lang="en-US" sz="2400" dirty="0" smtClean="0"/>
+              <a:t>Inspect WPF visual tree</a:t>
+            </a:r>
+          </a:p>
+          <a:p>
+            <a:pPr lvl="2">
+              <a:lnSpc>
+                <a:spcPct val="100000"/>
+              </a:lnSpc>
+              <a:defRPr/>
+            </a:pPr>
+            <a:r>
+              <a:rPr lang="en-US" sz="2400" dirty="0" smtClean="0"/>
+              <a:t>Start/Connect  WPF application</a:t>
+            </a:r>
+          </a:p>
+          <a:p>
+            <a:pPr lvl="1">
+              <a:lnSpc>
+                <a:spcPct val="100000"/>
+              </a:lnSpc>
+              <a:defRPr/>
+            </a:pPr>
+            <a:r>
+              <a:rPr lang="en-US" dirty="0" smtClean="0"/>
+              <a:t>Locate elements</a:t>
+            </a:r>
+          </a:p>
+          <a:p>
+            <a:pPr lvl="2">
+              <a:lnSpc>
+                <a:spcPct val="100000"/>
+              </a:lnSpc>
+              <a:defRPr/>
+            </a:pPr>
+            <a:r>
+              <a:rPr lang="en-US" sz="2400" dirty="0" smtClean="0"/>
+              <a:t>Find.* methods</a:t>
+            </a:r>
+          </a:p>
+          <a:p>
+            <a:pPr lvl="2">
+              <a:lnSpc>
+                <a:spcPct val="100000"/>
+              </a:lnSpc>
+              <a:defRPr/>
+            </a:pPr>
+            <a:r>
+              <a:rPr lang="en-US" sz="2400" dirty="0" err="1"/>
+              <a:t>XamlFindExpression</a:t>
+            </a:r>
+            <a:endParaRPr lang="en-US" sz="2400" dirty="0" smtClean="0"/>
+          </a:p>
+          <a:p>
+            <a:pPr lvl="2">
+              <a:lnSpc>
+                <a:spcPct val="100000"/>
+              </a:lnSpc>
+              <a:defRPr/>
+            </a:pPr>
+            <a:r>
+              <a:rPr lang="en-US" sz="2400" dirty="0" err="1" smtClean="0"/>
+              <a:t>Linq</a:t>
+            </a:r>
+            <a:endParaRPr lang="en-US" sz="2400" dirty="0" smtClean="0"/>
+          </a:p>
+          <a:p>
+            <a:pPr lvl="1">
+              <a:lnSpc>
+                <a:spcPct val="100000"/>
+              </a:lnSpc>
+              <a:defRPr/>
+            </a:pPr>
+            <a:r>
+              <a:rPr lang="en-US" dirty="0" smtClean="0"/>
+              <a:t>Perform actions</a:t>
+            </a:r>
+          </a:p>
+          <a:p>
+            <a:pPr lvl="2">
+              <a:lnSpc>
+                <a:spcPct val="100000"/>
+              </a:lnSpc>
+              <a:defRPr/>
+            </a:pPr>
+            <a:r>
+              <a:rPr lang="en-US" sz="2400" dirty="0" smtClean="0"/>
+              <a:t>Methods of  </a:t>
+            </a:r>
+            <a:r>
+              <a:rPr lang="en-US" sz="2400" dirty="0" err="1" smtClean="0"/>
+              <a:t>FrameworkElements</a:t>
+            </a:r>
+            <a:endParaRPr lang="en-US" sz="2400" dirty="0" smtClean="0"/>
+          </a:p>
+        </p:txBody>
+      </p:sp>
+    </p:spTree>
+    <p:extLst>
+      <p:ext uri="{BB962C8B-B14F-4D97-AF65-F5344CB8AC3E}">
+        <p14:creationId xmlns:p14="http://schemas.microsoft.com/office/powerpoint/2010/main" val="3256005610"/>
+      </p:ext>
+    </p:extLst>
+  </p:cSld>
+  <p:clrMapOvr>
+    <a:masterClrMapping/>
+  </p:clrMapOvr>
+  <p:transition/>
+  <p:timing>
+    <p:tnLst>
+      <p:par>
+        <p:cTn id="1" dur="indefinite" restart="never" nodeType="tmRoot"/>
+      </p:par>
+    </p:tnLst>
+  </p:timing>
+</p:sld>
+</file>
+
+<file path=ppt/slides/slide9.xml><?xml version="1.0" encoding="utf-8"?>
 <p:sld xmlns:a="http://schemas.openxmlformats.org/drawingml/2006/main" xmlns:r="http://schemas.openxmlformats.org/officeDocument/2006/relationships" xmlns:p="http://schemas.openxmlformats.org/presentationml/2006/main">
   <p:cSld>
     <p:spTree>
@@ -9922,470 +11305,6 @@
       <p:transition/>
     </mc:Fallback>
   </mc:AlternateContent>
-  <p:timing>
-    <p:tnLst>
-      <p:par>
-        <p:cTn id="1" dur="indefinite" restart="never" nodeType="tmRoot"/>
-      </p:par>
-    </p:tnLst>
-  </p:timing>
-</p:sld>
-</file>
-
-<file path=ppt/slides/slide9.xml><?xml version="1.0" encoding="utf-8"?>
-<p:sld xmlns:a="http://schemas.openxmlformats.org/drawingml/2006/main" xmlns:r="http://schemas.openxmlformats.org/officeDocument/2006/relationships" xmlns:p="http://schemas.openxmlformats.org/presentationml/2006/main">
-  <p:cSld>
-    <p:spTree>
-      <p:nvGrpSpPr>
-        <p:cNvPr id="1" name=""/>
-        <p:cNvGrpSpPr/>
-        <p:nvPr/>
-      </p:nvGrpSpPr>
-      <p:grpSpPr>
-        <a:xfrm>
-          <a:off x="0" y="0"/>
-          <a:ext cx="0" cy="0"/>
-          <a:chOff x="0" y="0"/>
-          <a:chExt cx="0" cy="0"/>
-        </a:xfrm>
-      </p:grpSpPr>
-      <p:sp>
-        <p:nvSpPr>
-          <p:cNvPr id="3" name="Title 2"/>
-          <p:cNvSpPr>
-            <a:spLocks noGrp="1"/>
-          </p:cNvSpPr>
-          <p:nvPr>
-            <p:ph type="title"/>
-          </p:nvPr>
-        </p:nvSpPr>
-        <p:spPr/>
-        <p:txBody>
-          <a:bodyPr/>
-          <a:lstStyle/>
-          <a:p>
-            <a:r>
-              <a:rPr lang="en-US" sz="3600" dirty="0" smtClean="0"/>
-              <a:t>Free Trainings @ Telerik Academy</a:t>
-            </a:r>
-            <a:endParaRPr lang="en-US" sz="3600" dirty="0"/>
-          </a:p>
-        </p:txBody>
-      </p:sp>
-      <p:sp>
-        <p:nvSpPr>
-          <p:cNvPr id="4" name="Content Placeholder 3"/>
-          <p:cNvSpPr>
-            <a:spLocks noGrp="1"/>
-          </p:cNvSpPr>
-          <p:nvPr>
-            <p:ph idx="1"/>
-          </p:nvPr>
-        </p:nvSpPr>
-        <p:spPr>
-          <a:xfrm>
-            <a:off x="228600" y="1066800"/>
-            <a:ext cx="8686800" cy="5638800"/>
-          </a:xfrm>
-        </p:spPr>
-        <p:txBody>
-          <a:bodyPr/>
-          <a:lstStyle/>
-          <a:p>
-            <a:r>
-              <a:rPr lang="en-US" smtClean="0"/>
-              <a:t>C# Programming </a:t>
-            </a:r>
-            <a:r>
-              <a:rPr lang="en-US" dirty="0" smtClean="0"/>
-              <a:t>@ Telerik Academy</a:t>
-            </a:r>
-          </a:p>
-          <a:p>
-            <a:pPr marL="574675" lvl="2" indent="-282575">
-              <a:buClr>
-                <a:schemeClr val="accent5">
-                  <a:lumMod val="40000"/>
-                  <a:lumOff val="60000"/>
-                </a:schemeClr>
-              </a:buClr>
-              <a:buSzPct val="70000"/>
-              <a:buFont typeface="Wingdings 2" pitchFamily="18" charset="2"/>
-              <a:buChar char=""/>
-              <a:tabLst>
-                <a:tab pos="282575" algn="l"/>
-              </a:tabLst>
-            </a:pPr>
-            <a:r>
-              <a:rPr lang="en-US" noProof="1">
-                <a:hlinkClick r:id="rId2"/>
-              </a:rPr>
-              <a:t>csharpfundamentals.telerik.com</a:t>
-            </a:r>
-            <a:endParaRPr lang="en-US" noProof="1"/>
-          </a:p>
-          <a:p>
-            <a:pPr marL="282575" lvl="1" indent="-282575">
-              <a:spcBef>
-                <a:spcPts val="1800"/>
-              </a:spcBef>
-              <a:buClr>
-                <a:schemeClr val="accent5">
-                  <a:lumMod val="40000"/>
-                  <a:lumOff val="60000"/>
-                </a:schemeClr>
-              </a:buClr>
-              <a:buSzPct val="70000"/>
-              <a:buFont typeface="Wingdings 2" pitchFamily="18" charset="2"/>
-              <a:buChar char=""/>
-              <a:tabLst>
-                <a:tab pos="282575" algn="l"/>
-              </a:tabLst>
-            </a:pPr>
-            <a:r>
-              <a:rPr lang="en-US" dirty="0" smtClean="0"/>
-              <a:t>Telerik Software Academy</a:t>
-            </a:r>
-          </a:p>
-          <a:p>
-            <a:pPr marL="574675" lvl="2" indent="-282575">
-              <a:buClr>
-                <a:schemeClr val="accent5">
-                  <a:lumMod val="40000"/>
-                  <a:lumOff val="60000"/>
-                </a:schemeClr>
-              </a:buClr>
-              <a:buSzPct val="70000"/>
-              <a:buFont typeface="Wingdings 2" pitchFamily="18" charset="2"/>
-              <a:buChar char=""/>
-              <a:tabLst>
-                <a:tab pos="282575" algn="l"/>
-              </a:tabLst>
-            </a:pPr>
-            <a:r>
-              <a:rPr lang="en-US" noProof="1" smtClean="0">
-                <a:hlinkClick r:id="rId3" tooltip="Telerik Software Academy - Free Programming Courses"/>
-              </a:rPr>
-              <a:t>academy.telerik.com</a:t>
-            </a:r>
-            <a:endParaRPr lang="en-US" noProof="1" smtClean="0"/>
-          </a:p>
-          <a:p>
-            <a:pPr marL="282575" lvl="1" indent="-282575">
-              <a:spcBef>
-                <a:spcPts val="1800"/>
-              </a:spcBef>
-              <a:buClr>
-                <a:schemeClr val="accent5">
-                  <a:lumMod val="40000"/>
-                  <a:lumOff val="60000"/>
-                </a:schemeClr>
-              </a:buClr>
-              <a:buSzPct val="70000"/>
-              <a:buFont typeface="Wingdings 2" pitchFamily="18" charset="2"/>
-              <a:buChar char=""/>
-              <a:tabLst>
-                <a:tab pos="282575" algn="l"/>
-              </a:tabLst>
-            </a:pPr>
-            <a:r>
-              <a:rPr lang="en-US" dirty="0" smtClean="0"/>
-              <a:t>Telerik Academy @ Facebook</a:t>
-            </a:r>
-          </a:p>
-          <a:p>
-            <a:pPr marL="574675" lvl="2" indent="-282575">
-              <a:buClr>
-                <a:schemeClr val="accent5">
-                  <a:lumMod val="40000"/>
-                  <a:lumOff val="60000"/>
-                </a:schemeClr>
-              </a:buClr>
-              <a:buSzPct val="70000"/>
-              <a:buFont typeface="Wingdings 2" pitchFamily="18" charset="2"/>
-              <a:buChar char=""/>
-              <a:tabLst>
-                <a:tab pos="282575" algn="l"/>
-              </a:tabLst>
-            </a:pPr>
-            <a:r>
-              <a:rPr lang="en-US" noProof="1" smtClean="0">
-                <a:hlinkClick r:id="rId4" tooltip="Telerik Softyware Academy @ Facebook"/>
-              </a:rPr>
-              <a:t>facebook.com/TelerikAcademy</a:t>
-            </a:r>
-            <a:endParaRPr lang="en-US" noProof="1" smtClean="0"/>
-          </a:p>
-          <a:p>
-            <a:pPr marL="282575" lvl="1" indent="-282575">
-              <a:spcBef>
-                <a:spcPts val="1800"/>
-              </a:spcBef>
-              <a:buClr>
-                <a:schemeClr val="accent5">
-                  <a:lumMod val="40000"/>
-                  <a:lumOff val="60000"/>
-                </a:schemeClr>
-              </a:buClr>
-              <a:buSzPct val="70000"/>
-              <a:buFont typeface="Wingdings 2" pitchFamily="18" charset="2"/>
-              <a:buChar char=""/>
-              <a:tabLst>
-                <a:tab pos="282575" algn="l"/>
-              </a:tabLst>
-            </a:pPr>
-            <a:r>
-              <a:rPr lang="en-US" dirty="0" smtClean="0"/>
-              <a:t>Telerik Software Academy Forums</a:t>
-            </a:r>
-          </a:p>
-          <a:p>
-            <a:pPr marL="574675" lvl="2" indent="-282575">
-              <a:buClr>
-                <a:schemeClr val="accent5">
-                  <a:lumMod val="40000"/>
-                  <a:lumOff val="60000"/>
-                </a:schemeClr>
-              </a:buClr>
-              <a:buSzPct val="70000"/>
-              <a:buFont typeface="Wingdings 2" pitchFamily="18" charset="2"/>
-              <a:buChar char=""/>
-              <a:tabLst>
-                <a:tab pos="282575" algn="l"/>
-              </a:tabLst>
-            </a:pPr>
-            <a:r>
-              <a:rPr lang="en-US" noProof="1" smtClean="0">
-                <a:hlinkClick r:id="rId5" tooltip="Telerik Software Academy Forums - Community for Programmers"/>
-              </a:rPr>
-              <a:t>forums.academy.telerik.com</a:t>
-            </a:r>
-            <a:endParaRPr lang="en-US" noProof="1"/>
-          </a:p>
-        </p:txBody>
-      </p:sp>
-      <p:pic>
-        <p:nvPicPr>
-          <p:cNvPr id="5" name="Picture 5">
-            <a:hlinkClick r:id="rId5" tooltip="Telerik Software Academy Forums - Discussion Board for Developers"/>
-          </p:cNvPr>
-          <p:cNvPicPr>
-            <a:picLocks noChangeAspect="1" noChangeArrowheads="1"/>
-          </p:cNvPicPr>
-          <p:nvPr/>
-        </p:nvPicPr>
-        <p:blipFill>
-          <a:blip r:embed="rId6" cstate="screen">
-            <a:extLst>
-              <a:ext uri="{28A0092B-C50C-407E-A947-70E740481C1C}">
-                <a14:useLocalDpi xmlns:a14="http://schemas.microsoft.com/office/drawing/2010/main"/>
-              </a:ext>
-            </a:extLst>
-          </a:blip>
-          <a:srcRect/>
-          <a:stretch>
-            <a:fillRect/>
-          </a:stretch>
-        </p:blipFill>
-        <p:spPr bwMode="auto">
-          <a:xfrm>
-            <a:off x="7523898" y="5218092"/>
-            <a:ext cx="1162902" cy="1268619"/>
-          </a:xfrm>
-          <a:prstGeom prst="rect">
-            <a:avLst/>
-          </a:prstGeom>
-          <a:noFill/>
-          <a:ln>
-            <a:noFill/>
-          </a:ln>
-          <a:effectLst/>
-          <a:extLst>
-            <a:ext uri="{909E8E84-426E-40DD-AFC4-6F175D3DCCD1}">
-              <a14:hiddenFill xmlns:a14="http://schemas.microsoft.com/office/drawing/2010/main">
-                <a:solidFill>
-                  <a:schemeClr val="accent1"/>
-                </a:solidFill>
-              </a14:hiddenFill>
-            </a:ext>
-            <a:ext uri="{91240B29-F687-4F45-9708-019B960494DF}">
-              <a14:hiddenLine xmlns:a14="http://schemas.microsoft.com/office/drawing/2010/main" w="9525">
-                <a:solidFill>
-                  <a:schemeClr val="tx1"/>
-                </a:solidFill>
-                <a:miter lim="800000"/>
-                <a:headEnd/>
-                <a:tailEnd/>
-              </a14:hiddenLine>
-            </a:ext>
-            <a:ext uri="{AF507438-7753-43E0-B8FC-AC1667EBCBE1}">
-              <a14:hiddenEffects xmlns:a14="http://schemas.microsoft.com/office/drawing/2010/main">
-                <a:effectLst>
-                  <a:outerShdw dist="35921" dir="2700000" algn="ctr" rotWithShape="0">
-                    <a:schemeClr val="bg2"/>
-                  </a:outerShdw>
-                </a:effectLst>
-              </a14:hiddenEffects>
-            </a:ext>
-          </a:extLst>
-        </p:spPr>
-      </p:pic>
-      <p:pic>
-        <p:nvPicPr>
-          <p:cNvPr id="1028" name="Picture 4">
-            <a:hlinkClick r:id="rId3" tooltip="Telerik Software Academy"/>
-          </p:cNvPr>
-          <p:cNvPicPr>
-            <a:picLocks noChangeAspect="1" noChangeArrowheads="1"/>
-          </p:cNvPicPr>
-          <p:nvPr/>
-        </p:nvPicPr>
-        <p:blipFill>
-          <a:blip r:embed="rId7">
-            <a:extLst>
-              <a:ext uri="{28A0092B-C50C-407E-A947-70E740481C1C}">
-                <a14:useLocalDpi xmlns:a14="http://schemas.microsoft.com/office/drawing/2010/main"/>
-              </a:ext>
-            </a:extLst>
-          </a:blip>
-          <a:srcRect/>
-          <a:stretch>
-            <a:fillRect/>
-          </a:stretch>
-        </p:blipFill>
-        <p:spPr bwMode="auto">
-          <a:xfrm>
-            <a:off x="5548941" y="2667000"/>
-            <a:ext cx="3137859" cy="918234"/>
-          </a:xfrm>
-          <a:prstGeom prst="rect">
-            <a:avLst/>
-          </a:prstGeom>
-          <a:noFill/>
-          <a:ln>
-            <a:solidFill>
-              <a:srgbClr val="9BCC00"/>
-            </a:solidFill>
-          </a:ln>
-          <a:extLst>
-            <a:ext uri="{909E8E84-426E-40DD-AFC4-6F175D3DCCD1}">
-              <a14:hiddenFill xmlns:a14="http://schemas.microsoft.com/office/drawing/2010/main">
-                <a:solidFill>
-                  <a:srgbClr val="FFFFFF"/>
-                </a:solidFill>
-              </a14:hiddenFill>
-            </a:ext>
-          </a:extLst>
-        </p:spPr>
-      </p:pic>
-      <p:pic>
-        <p:nvPicPr>
-          <p:cNvPr id="1037" name="Picture 13">
-            <a:hlinkClick r:id="rId8" tooltip="Telerik Academy @ Facebook"/>
-          </p:cNvPr>
-          <p:cNvPicPr>
-            <a:picLocks noChangeAspect="1" noChangeArrowheads="1"/>
-          </p:cNvPicPr>
-          <p:nvPr/>
-        </p:nvPicPr>
-        <p:blipFill>
-          <a:blip r:embed="rId9">
-            <a:extLst>
-              <a:ext uri="{28A0092B-C50C-407E-A947-70E740481C1C}">
-                <a14:useLocalDpi xmlns:a14="http://schemas.microsoft.com/office/drawing/2010/main"/>
-              </a:ext>
-            </a:extLst>
-          </a:blip>
-          <a:srcRect/>
-          <a:stretch>
-            <a:fillRect/>
-          </a:stretch>
-        </p:blipFill>
-        <p:spPr bwMode="auto">
-          <a:xfrm>
-            <a:off x="7748587" y="4003901"/>
-            <a:ext cx="938213" cy="938213"/>
-          </a:xfrm>
-          <a:prstGeom prst="rect">
-            <a:avLst/>
-          </a:prstGeom>
-          <a:noFill/>
-          <a:ln>
-            <a:noFill/>
-          </a:ln>
-          <a:effectLst/>
-          <a:extLst>
-            <a:ext uri="{909E8E84-426E-40DD-AFC4-6F175D3DCCD1}">
-              <a14:hiddenFill xmlns:a14="http://schemas.microsoft.com/office/drawing/2010/main">
-                <a:solidFill>
-                  <a:schemeClr val="accent1"/>
-                </a:solidFill>
-              </a14:hiddenFill>
-            </a:ext>
-            <a:ext uri="{91240B29-F687-4F45-9708-019B960494DF}">
-              <a14:hiddenLine xmlns:a14="http://schemas.microsoft.com/office/drawing/2010/main" w="9525">
-                <a:solidFill>
-                  <a:schemeClr val="tx1"/>
-                </a:solidFill>
-                <a:miter lim="800000"/>
-                <a:headEnd/>
-                <a:tailEnd/>
-              </a14:hiddenLine>
-            </a:ext>
-            <a:ext uri="{AF507438-7753-43E0-B8FC-AC1667EBCBE1}">
-              <a14:hiddenEffects xmlns:a14="http://schemas.microsoft.com/office/drawing/2010/main">
-                <a:effectLst>
-                  <a:outerShdw dist="35921" dir="2700000" algn="ctr" rotWithShape="0">
-                    <a:schemeClr val="bg2"/>
-                  </a:outerShdw>
-                </a:effectLst>
-              </a14:hiddenEffects>
-            </a:ext>
-          </a:extLst>
-        </p:spPr>
-      </p:pic>
-      <p:pic>
-        <p:nvPicPr>
-          <p:cNvPr id="2" name="Picture 1">
-            <a:hlinkClick r:id="rId2"/>
-          </p:cNvPr>
-          <p:cNvPicPr>
-            <a:picLocks noChangeAspect="1"/>
-          </p:cNvPicPr>
-          <p:nvPr/>
-        </p:nvPicPr>
-        <p:blipFill>
-          <a:blip r:embed="rId10" cstate="screen">
-            <a:extLst>
-              <a:ext uri="{28A0092B-C50C-407E-A947-70E740481C1C}">
-                <a14:useLocalDpi xmlns:a14="http://schemas.microsoft.com/office/drawing/2010/main"/>
-              </a:ext>
-            </a:extLst>
-          </a:blip>
-          <a:stretch>
-            <a:fillRect/>
-          </a:stretch>
-        </p:blipFill>
-        <p:spPr>
-          <a:xfrm>
-            <a:off x="7562025" y="1123558"/>
-            <a:ext cx="1124775" cy="1124775"/>
-          </a:xfrm>
-          <a:prstGeom prst="rect">
-            <a:avLst/>
-          </a:prstGeom>
-        </p:spPr>
-      </p:pic>
-    </p:spTree>
-    <p:extLst>
-      <p:ext uri="{BB962C8B-B14F-4D97-AF65-F5344CB8AC3E}">
-        <p14:creationId xmlns:p14="http://schemas.microsoft.com/office/powerpoint/2010/main" val="2562842203"/>
-      </p:ext>
-    </p:extLst>
-  </p:cSld>
-  <p:clrMapOvr>
-    <a:masterClrMapping/>
-  </p:clrMapOvr>
   <p:timing>
     <p:tnLst>
       <p:par>

--- a/Slides/Telerik Testing Framework/Telerik Testing Framework.pptx
+++ b/Slides/Telerik Testing Framework/Telerik Testing Framework.pptx
@@ -9137,13 +9137,144 @@
         </p:nvSpPr>
         <p:spPr>
           <a:xfrm>
-            <a:off x="228600" y="1194317"/>
-            <a:ext cx="8686800" cy="5358883"/>
+            <a:off x="228600" y="1040519"/>
+            <a:ext cx="8686800" cy="5611741"/>
           </a:xfrm>
         </p:spPr>
         <p:txBody>
           <a:bodyPr/>
           <a:lstStyle/>
+          <a:p>
+            <a:pPr>
+              <a:lnSpc>
+                <a:spcPct val="100000"/>
+              </a:lnSpc>
+              <a:defRPr/>
+            </a:pPr>
+            <a:r>
+              <a:rPr lang="en-US" sz="3100" dirty="0" smtClean="0">
+                <a:solidFill>
+                  <a:schemeClr val="accent5">
+                    <a:lumMod val="20000"/>
+                    <a:lumOff val="80000"/>
+                  </a:schemeClr>
+                </a:solidFill>
+              </a:rPr>
+              <a:t>Free .NET API</a:t>
+            </a:r>
+            <a:r>
+              <a:rPr lang="en-US" sz="3100" dirty="0" smtClean="0"/>
+              <a:t> for test automation</a:t>
+            </a:r>
+          </a:p>
+          <a:p>
+            <a:pPr>
+              <a:lnSpc>
+                <a:spcPct val="100000"/>
+              </a:lnSpc>
+              <a:defRPr/>
+            </a:pPr>
+            <a:r>
+              <a:rPr lang="en-US" sz="3100" dirty="0" smtClean="0"/>
+              <a:t>Support </a:t>
+            </a:r>
+            <a:r>
+              <a:rPr lang="en-US" sz="3100" dirty="0" smtClean="0">
+                <a:solidFill>
+                  <a:schemeClr val="accent5">
+                    <a:lumMod val="20000"/>
+                    <a:lumOff val="80000"/>
+                  </a:schemeClr>
+                </a:solidFill>
+              </a:rPr>
+              <a:t>Web</a:t>
+            </a:r>
+            <a:r>
+              <a:rPr lang="en-US" sz="3100" dirty="0" smtClean="0"/>
+              <a:t> (HTML, JavaScript, Ajax, …)</a:t>
+            </a:r>
+          </a:p>
+          <a:p>
+            <a:pPr>
+              <a:lnSpc>
+                <a:spcPct val="100000"/>
+              </a:lnSpc>
+              <a:defRPr/>
+            </a:pPr>
+            <a:r>
+              <a:rPr lang="en-US" sz="3100" dirty="0" smtClean="0"/>
+              <a:t>Support </a:t>
+            </a:r>
+            <a:r>
+              <a:rPr lang="en-US" sz="3100" dirty="0" smtClean="0">
+                <a:solidFill>
+                  <a:schemeClr val="accent5">
+                    <a:lumMod val="20000"/>
+                    <a:lumOff val="80000"/>
+                  </a:schemeClr>
+                </a:solidFill>
+              </a:rPr>
+              <a:t>Silverlight</a:t>
+            </a:r>
+            <a:r>
+              <a:rPr lang="en-US" sz="3100" dirty="0" smtClean="0"/>
+              <a:t> Applications</a:t>
+            </a:r>
+          </a:p>
+          <a:p>
+            <a:pPr>
+              <a:lnSpc>
+                <a:spcPct val="100000"/>
+              </a:lnSpc>
+              <a:defRPr/>
+            </a:pPr>
+            <a:r>
+              <a:rPr lang="en-US" sz="3100" dirty="0" smtClean="0"/>
+              <a:t>Support </a:t>
+            </a:r>
+            <a:r>
+              <a:rPr lang="en-US" sz="3100" dirty="0" smtClean="0">
+                <a:solidFill>
+                  <a:schemeClr val="accent5">
+                    <a:lumMod val="20000"/>
+                    <a:lumOff val="80000"/>
+                  </a:schemeClr>
+                </a:solidFill>
+              </a:rPr>
+              <a:t>WPF</a:t>
+            </a:r>
+            <a:r>
+              <a:rPr lang="en-US" sz="3100" dirty="0" smtClean="0"/>
+              <a:t> Applications</a:t>
+            </a:r>
+          </a:p>
+          <a:p>
+            <a:pPr>
+              <a:lnSpc>
+                <a:spcPct val="100000"/>
+              </a:lnSpc>
+              <a:defRPr/>
+            </a:pPr>
+            <a:r>
+              <a:rPr lang="en-US" sz="3100" dirty="0" smtClean="0"/>
+              <a:t>Include some nice </a:t>
+            </a:r>
+            <a:r>
+              <a:rPr lang="en-US" sz="3100" dirty="0" smtClean="0">
+                <a:solidFill>
+                  <a:schemeClr val="accent5">
+                    <a:lumMod val="20000"/>
+                    <a:lumOff val="80000"/>
+                  </a:schemeClr>
+                </a:solidFill>
+              </a:rPr>
+              <a:t>extras</a:t>
+            </a:r>
+            <a:r>
+              <a:rPr lang="en-US" sz="3100" dirty="0" smtClean="0"/>
+              <a:t> like</a:t>
+            </a:r>
+          </a:p>
           <a:p>
             <a:pPr lvl="1">
               <a:lnSpc>
@@ -9152,19 +9283,12 @@
               <a:defRPr/>
             </a:pPr>
             <a:r>
-              <a:rPr lang="en-US" dirty="0" smtClean="0">
-                <a:solidFill>
-                  <a:schemeClr val="accent5">
-                    <a:lumMod val="20000"/>
-                    <a:lumOff val="80000"/>
-                  </a:schemeClr>
-                </a:solidFill>
-              </a:rPr>
-              <a:t>Free .NET API</a:t>
-            </a:r>
-            <a:r>
-              <a:rPr lang="en-US" dirty="0" smtClean="0"/>
-              <a:t> for test automation</a:t>
+              <a:rPr lang="en-US" sz="2900" dirty="0" smtClean="0"/>
+              <a:t>Browser </a:t>
+            </a:r>
+            <a:r>
+              <a:rPr lang="en-US" sz="2900" dirty="0" smtClean="0"/>
+              <a:t>abstraction</a:t>
             </a:r>
           </a:p>
           <a:p>
@@ -9175,23 +9299,16 @@
               <a:defRPr/>
             </a:pPr>
             <a:r>
-              <a:rPr lang="en-US" dirty="0" smtClean="0"/>
-              <a:t>Support </a:t>
-            </a:r>
-            <a:r>
-              <a:rPr lang="en-US" dirty="0" smtClean="0">
-                <a:solidFill>
-                  <a:schemeClr val="accent5">
-                    <a:lumMod val="20000"/>
-                    <a:lumOff val="80000"/>
-                  </a:schemeClr>
-                </a:solidFill>
-              </a:rPr>
-              <a:t>Web</a:t>
-            </a:r>
-            <a:r>
-              <a:rPr lang="en-US" dirty="0" smtClean="0"/>
-              <a:t> (HTML, JavaScript, Ajax, …)</a:t>
+              <a:rPr lang="en-US" sz="2900" dirty="0" smtClean="0"/>
+              <a:t>Wrappers </a:t>
+            </a:r>
+            <a:r>
+              <a:rPr lang="en-US" sz="2900" dirty="0"/>
+              <a:t>for Telerik Rad </a:t>
+            </a:r>
+            <a:r>
+              <a:rPr lang="en-US" sz="2900" dirty="0" smtClean="0"/>
+              <a:t>Controls</a:t>
             </a:r>
           </a:p>
           <a:p>
@@ -9202,23 +9319,20 @@
               <a:defRPr/>
             </a:pPr>
             <a:r>
-              <a:rPr lang="en-US" dirty="0" smtClean="0"/>
-              <a:t>Support </a:t>
-            </a:r>
-            <a:r>
-              <a:rPr lang="en-US" dirty="0">
-                <a:solidFill>
-                  <a:schemeClr val="accent5">
-                    <a:lumMod val="20000"/>
-                    <a:lumOff val="80000"/>
-                  </a:schemeClr>
-                </a:solidFill>
-              </a:rPr>
-              <a:t>Silverlight</a:t>
-            </a:r>
-            <a:r>
-              <a:rPr lang="en-US" dirty="0" smtClean="0"/>
-              <a:t> Applications</a:t>
+              <a:rPr lang="en-US" sz="2900" dirty="0" smtClean="0"/>
+              <a:t>Build-in handlers </a:t>
+            </a:r>
+            <a:r>
+              <a:rPr lang="en-US" sz="2900" dirty="0"/>
+              <a:t>for Popups and </a:t>
+            </a:r>
+            <a:r>
+              <a:rPr lang="en-US" sz="2900" dirty="0" smtClean="0"/>
+              <a:t>Browser </a:t>
+            </a:r>
+            <a:r>
+              <a:rPr lang="en-US" sz="2900" dirty="0"/>
+              <a:t>Dialogs</a:t>
             </a:r>
           </a:p>
           <a:p>
@@ -9229,120 +9343,10 @@
               <a:defRPr/>
             </a:pPr>
             <a:r>
-              <a:rPr lang="en-US" dirty="0" smtClean="0"/>
-              <a:t>Support </a:t>
-            </a:r>
-            <a:r>
-              <a:rPr lang="en-US" dirty="0">
-                <a:solidFill>
-                  <a:schemeClr val="accent5">
-                    <a:lumMod val="20000"/>
-                    <a:lumOff val="80000"/>
-                  </a:schemeClr>
-                </a:solidFill>
-              </a:rPr>
-              <a:t>WPF</a:t>
-            </a:r>
-            <a:r>
-              <a:rPr lang="en-US" dirty="0" smtClean="0"/>
-              <a:t> Applications</a:t>
-            </a:r>
-          </a:p>
-          <a:p>
-            <a:pPr lvl="1">
-              <a:lnSpc>
-                <a:spcPct val="100000"/>
-              </a:lnSpc>
-              <a:defRPr/>
-            </a:pPr>
-            <a:r>
-              <a:rPr lang="en-US" dirty="0" smtClean="0"/>
-              <a:t>Include some nice </a:t>
-            </a:r>
-            <a:r>
-              <a:rPr lang="en-US" dirty="0">
-                <a:solidFill>
-                  <a:schemeClr val="accent5">
-                    <a:lumMod val="20000"/>
-                    <a:lumOff val="80000"/>
-                  </a:schemeClr>
-                </a:solidFill>
-              </a:rPr>
-              <a:t>extras</a:t>
-            </a:r>
-            <a:r>
-              <a:rPr lang="en-US" dirty="0" smtClean="0"/>
-              <a:t> like</a:t>
-            </a:r>
-          </a:p>
-          <a:p>
-            <a:pPr lvl="2">
-              <a:lnSpc>
-                <a:spcPct val="100000"/>
-              </a:lnSpc>
-              <a:defRPr/>
-            </a:pPr>
-            <a:r>
-              <a:rPr lang="en-US" dirty="0" smtClean="0"/>
-              <a:t>Browser abstraction</a:t>
-            </a:r>
-          </a:p>
-          <a:p>
-            <a:pPr lvl="2">
-              <a:lnSpc>
-                <a:spcPct val="100000"/>
-              </a:lnSpc>
-              <a:defRPr/>
-            </a:pPr>
-            <a:r>
-              <a:rPr lang="en-US" dirty="0" smtClean="0"/>
-              <a:t>Wrappers </a:t>
-            </a:r>
-            <a:r>
-              <a:rPr lang="en-US" dirty="0"/>
-              <a:t>for Telerik Rad </a:t>
-            </a:r>
-            <a:r>
-              <a:rPr lang="en-US" dirty="0" smtClean="0"/>
-              <a:t>Controls</a:t>
-            </a:r>
-          </a:p>
-          <a:p>
-            <a:pPr lvl="2">
-              <a:lnSpc>
-                <a:spcPct val="100000"/>
-              </a:lnSpc>
-              <a:defRPr/>
-            </a:pPr>
-            <a:r>
-              <a:rPr lang="en-US" dirty="0" smtClean="0"/>
-              <a:t>Build-in handlers </a:t>
-            </a:r>
-            <a:r>
-              <a:rPr lang="en-US" dirty="0"/>
-              <a:t>for Popups and </a:t>
-            </a:r>
-            <a:r>
-              <a:rPr lang="en-US" dirty="0" smtClean="0"/>
-              <a:t>Browser </a:t>
-            </a:r>
-            <a:r>
-              <a:rPr lang="en-US" dirty="0"/>
-              <a:t>Dialogs</a:t>
-            </a:r>
-          </a:p>
-          <a:p>
-            <a:pPr lvl="2">
-              <a:lnSpc>
-                <a:spcPct val="100000"/>
-              </a:lnSpc>
-              <a:defRPr/>
-            </a:pPr>
-            <a:r>
-              <a:rPr lang="en-US" dirty="0" smtClean="0"/>
+              <a:rPr lang="en-US" sz="2900" dirty="0" smtClean="0"/>
               <a:t>Element identification using LINQ</a:t>
             </a:r>
-            <a:endParaRPr lang="en-US" dirty="0"/>
+            <a:endParaRPr lang="en-US" sz="2900" dirty="0"/>
           </a:p>
         </p:txBody>
       </p:sp>
@@ -10126,6 +10130,19 @@
           <a:bodyPr/>
           <a:lstStyle/>
           <a:p>
+            <a:pPr>
+              <a:lnSpc>
+                <a:spcPct val="100000"/>
+              </a:lnSpc>
+              <a:defRPr/>
+            </a:pPr>
+            <a:r>
+              <a:rPr lang="en-US" dirty="0" smtClean="0"/>
+              <a:t>Getting started </a:t>
+            </a:r>
+            <a:endParaRPr lang="en-US" dirty="0"/>
+          </a:p>
+          <a:p>
             <a:pPr lvl="1">
               <a:lnSpc>
                 <a:spcPct val="100000"/>
@@ -10133,25 +10150,20 @@
               <a:defRPr/>
             </a:pPr>
             <a:r>
-              <a:rPr lang="en-US" dirty="0" smtClean="0"/>
-              <a:t>Getting started </a:t>
-            </a:r>
-            <a:endParaRPr lang="en-US" dirty="0"/>
-          </a:p>
-          <a:p>
-            <a:pPr lvl="2">
+              <a:rPr lang="en-US" sz="2600" dirty="0" smtClean="0"/>
+              <a:t>Manager, Browser and Settings objects</a:t>
+            </a:r>
+          </a:p>
+          <a:p>
+            <a:pPr>
               <a:lnSpc>
                 <a:spcPct val="100000"/>
               </a:lnSpc>
               <a:defRPr/>
             </a:pPr>
             <a:r>
-              <a:rPr lang="en-US" sz="2400" smtClean="0"/>
-              <a:t>Manager</a:t>
-            </a:r>
-            <a:r>
-              <a:rPr lang="en-US" sz="2400" dirty="0" smtClean="0"/>
-              <a:t>, Browser and Settings objects</a:t>
+              <a:rPr lang="en-US" dirty="0" smtClean="0"/>
+              <a:t>Locate elements</a:t>
             </a:r>
           </a:p>
           <a:p>
@@ -10162,47 +10174,9 @@
               <a:defRPr/>
             </a:pPr>
             <a:r>
-              <a:rPr lang="en-US" dirty="0" smtClean="0"/>
-              <a:t>Locate elements</a:t>
-            </a:r>
-          </a:p>
-          <a:p>
-            <a:pPr lvl="2">
-              <a:lnSpc>
-                <a:spcPct val="100000"/>
-              </a:lnSpc>
-              <a:defRPr/>
-            </a:pPr>
-            <a:r>
-              <a:rPr lang="en-US" sz="2400" dirty="0" smtClean="0"/>
+              <a:rPr lang="en-US" sz="2600" dirty="0" smtClean="0"/>
               <a:t>Find.* methods</a:t>
             </a:r>
-          </a:p>
-          <a:p>
-            <a:pPr lvl="2">
-              <a:lnSpc>
-                <a:spcPct val="100000"/>
-              </a:lnSpc>
-              <a:defRPr/>
-            </a:pPr>
-            <a:r>
-              <a:rPr lang="en-US" sz="2400" dirty="0" err="1" smtClean="0"/>
-              <a:t>HtmlFindExpressions</a:t>
-            </a:r>
-            <a:endParaRPr lang="en-US" sz="2400" dirty="0" smtClean="0"/>
-          </a:p>
-          <a:p>
-            <a:pPr lvl="2">
-              <a:lnSpc>
-                <a:spcPct val="100000"/>
-              </a:lnSpc>
-              <a:defRPr/>
-            </a:pPr>
-            <a:r>
-              <a:rPr lang="en-US" sz="2400" dirty="0" err="1" smtClean="0"/>
-              <a:t>Linq</a:t>
-            </a:r>
-            <a:endParaRPr lang="en-US" sz="2400" dirty="0" smtClean="0"/>
           </a:p>
           <a:p>
             <a:pPr lvl="1">
@@ -10212,43 +10186,69 @@
               <a:defRPr/>
             </a:pPr>
             <a:r>
-              <a:rPr lang="en-US" dirty="0" smtClean="0"/>
-              <a:t>Perform actions</a:t>
-            </a:r>
-          </a:p>
-          <a:p>
-            <a:pPr lvl="2">
+              <a:rPr lang="en-US" sz="2600" dirty="0" err="1" smtClean="0"/>
+              <a:t>HtmlFindExpressions</a:t>
+            </a:r>
+            <a:endParaRPr lang="en-US" sz="2600" dirty="0" smtClean="0"/>
+          </a:p>
+          <a:p>
+            <a:pPr lvl="1">
               <a:lnSpc>
                 <a:spcPct val="100000"/>
               </a:lnSpc>
               <a:defRPr/>
             </a:pPr>
             <a:r>
-              <a:rPr lang="en-US" sz="2400" dirty="0" smtClean="0"/>
-              <a:t>Methods of  </a:t>
-            </a:r>
-            <a:r>
-              <a:rPr lang="en-US" sz="2400" dirty="0" err="1" smtClean="0"/>
-              <a:t>HtmlControls</a:t>
-            </a:r>
-            <a:endParaRPr lang="en-US" sz="2400" dirty="0" smtClean="0"/>
-          </a:p>
-          <a:p>
-            <a:pPr lvl="2">
+              <a:rPr lang="en-US" sz="2600" dirty="0" err="1" smtClean="0"/>
+              <a:t>Linq</a:t>
+            </a:r>
+            <a:endParaRPr lang="en-US" sz="2600" dirty="0" smtClean="0"/>
+          </a:p>
+          <a:p>
+            <a:pPr>
               <a:lnSpc>
                 <a:spcPct val="100000"/>
               </a:lnSpc>
               <a:defRPr/>
             </a:pPr>
             <a:r>
-              <a:rPr lang="en-US" sz="2400" dirty="0" err="1" smtClean="0"/>
+              <a:rPr lang="en-US" dirty="0" smtClean="0"/>
+              <a:t>Perform actions</a:t>
+            </a:r>
+          </a:p>
+          <a:p>
+            <a:pPr lvl="1">
+              <a:lnSpc>
+                <a:spcPct val="100000"/>
+              </a:lnSpc>
+              <a:defRPr/>
+            </a:pPr>
+            <a:r>
+              <a:rPr lang="en-US" sz="2600" dirty="0" smtClean="0"/>
+              <a:t>Methods of  </a:t>
+            </a:r>
+            <a:r>
+              <a:rPr lang="en-US" sz="2600" dirty="0" err="1" smtClean="0"/>
+              <a:t>HtmlControls</a:t>
+            </a:r>
+            <a:endParaRPr lang="en-US" sz="2600" dirty="0" smtClean="0"/>
+          </a:p>
+          <a:p>
+            <a:pPr lvl="1">
+              <a:lnSpc>
+                <a:spcPct val="100000"/>
+              </a:lnSpc>
+              <a:defRPr/>
+            </a:pPr>
+            <a:r>
+              <a:rPr lang="en-US" sz="2600" dirty="0" err="1" smtClean="0"/>
               <a:t>KeyBoard</a:t>
             </a:r>
             <a:r>
-              <a:rPr lang="en-US" sz="2400" dirty="0" smtClean="0"/>
+              <a:rPr lang="en-US" sz="2600" dirty="0" smtClean="0"/>
               <a:t> and Mouse classes</a:t>
             </a:r>
-            <a:endParaRPr lang="en-US" sz="2400" dirty="0"/>
+            <a:endParaRPr lang="en-US" sz="2600" dirty="0"/>
           </a:p>
         </p:txBody>
       </p:sp>
@@ -10394,6 +10394,18 @@
           <a:bodyPr/>
           <a:lstStyle/>
           <a:p>
+            <a:pPr>
+              <a:lnSpc>
+                <a:spcPct val="100000"/>
+              </a:lnSpc>
+              <a:defRPr/>
+            </a:pPr>
+            <a:r>
+              <a:rPr lang="en-US" dirty="0" smtClean="0"/>
+              <a:t>Getting started </a:t>
+            </a:r>
+          </a:p>
+          <a:p>
             <a:pPr lvl="1">
               <a:lnSpc>
                 <a:spcPct val="100000"/>
@@ -10401,32 +10413,8 @@
               <a:defRPr/>
             </a:pPr>
             <a:r>
-              <a:rPr lang="en-US" dirty="0" smtClean="0"/>
-              <a:t>Getting started </a:t>
-            </a:r>
-          </a:p>
-          <a:p>
-            <a:pPr lvl="2">
-              <a:lnSpc>
-                <a:spcPct val="100000"/>
-              </a:lnSpc>
-              <a:defRPr/>
-            </a:pPr>
-            <a:r>
-              <a:rPr lang="en-US" sz="2400" dirty="0" smtClean="0"/>
+              <a:rPr lang="en-US" sz="2600" dirty="0" smtClean="0"/>
               <a:t>Inspect WPF visual tree</a:t>
-            </a:r>
-          </a:p>
-          <a:p>
-            <a:pPr lvl="2">
-              <a:lnSpc>
-                <a:spcPct val="100000"/>
-              </a:lnSpc>
-              <a:defRPr/>
-            </a:pPr>
-            <a:r>
-              <a:rPr lang="en-US" sz="2400" dirty="0" smtClean="0"/>
-              <a:t>Start/Connect  WPF application</a:t>
             </a:r>
           </a:p>
           <a:p>
@@ -10437,47 +10425,21 @@
               <a:defRPr/>
             </a:pPr>
             <a:r>
-              <a:rPr lang="en-US" dirty="0" smtClean="0"/>
-              <a:t>Locate elements</a:t>
-            </a:r>
-          </a:p>
-          <a:p>
-            <a:pPr lvl="2">
+              <a:rPr lang="en-US" sz="2600" dirty="0" smtClean="0"/>
+              <a:t>Start/Connect  WPF application</a:t>
+            </a:r>
+          </a:p>
+          <a:p>
+            <a:pPr>
               <a:lnSpc>
                 <a:spcPct val="100000"/>
               </a:lnSpc>
               <a:defRPr/>
             </a:pPr>
             <a:r>
-              <a:rPr lang="en-US" sz="2400" dirty="0" smtClean="0"/>
-              <a:t>Find.* methods</a:t>
-            </a:r>
-          </a:p>
-          <a:p>
-            <a:pPr lvl="2">
-              <a:lnSpc>
-                <a:spcPct val="100000"/>
-              </a:lnSpc>
-              <a:defRPr/>
-            </a:pPr>
-            <a:r>
-              <a:rPr lang="en-US" sz="2400" dirty="0" err="1"/>
-              <a:t>XamlFindExpression</a:t>
-            </a:r>
-            <a:endParaRPr lang="en-US" sz="2400" dirty="0" smtClean="0"/>
-          </a:p>
-          <a:p>
-            <a:pPr lvl="2">
-              <a:lnSpc>
-                <a:spcPct val="100000"/>
-              </a:lnSpc>
-              <a:defRPr/>
-            </a:pPr>
-            <a:r>
-              <a:rPr lang="en-US" sz="2400" dirty="0" err="1" smtClean="0"/>
-              <a:t>Linq</a:t>
-            </a:r>
-            <a:endParaRPr lang="en-US" sz="2400" dirty="0" smtClean="0"/>
+              <a:rPr lang="en-US" dirty="0" smtClean="0"/>
+              <a:t>Locate elements</a:t>
+            </a:r>
           </a:p>
           <a:p>
             <a:pPr lvl="1">
@@ -10487,26 +10449,64 @@
               <a:defRPr/>
             </a:pPr>
             <a:r>
-              <a:rPr lang="en-US" dirty="0" smtClean="0"/>
-              <a:t>Perform actions</a:t>
-            </a:r>
-          </a:p>
-          <a:p>
-            <a:pPr lvl="2">
+              <a:rPr lang="en-US" sz="2600" dirty="0" smtClean="0"/>
+              <a:t>Find.* methods</a:t>
+            </a:r>
+          </a:p>
+          <a:p>
+            <a:pPr lvl="1">
               <a:lnSpc>
                 <a:spcPct val="100000"/>
               </a:lnSpc>
               <a:defRPr/>
             </a:pPr>
             <a:r>
-              <a:rPr lang="en-US" sz="2400" dirty="0" smtClean="0"/>
+              <a:rPr lang="en-US" sz="2600" dirty="0" err="1"/>
+              <a:t>XamlFindExpression</a:t>
+            </a:r>
+            <a:endParaRPr lang="en-US" sz="2600" dirty="0" smtClean="0"/>
+          </a:p>
+          <a:p>
+            <a:pPr lvl="1">
+              <a:lnSpc>
+                <a:spcPct val="100000"/>
+              </a:lnSpc>
+              <a:defRPr/>
+            </a:pPr>
+            <a:r>
+              <a:rPr lang="en-US" sz="2600" dirty="0" err="1" smtClean="0"/>
+              <a:t>Linq</a:t>
+            </a:r>
+            <a:endParaRPr lang="en-US" sz="2600" dirty="0" smtClean="0"/>
+          </a:p>
+          <a:p>
+            <a:pPr>
+              <a:lnSpc>
+                <a:spcPct val="100000"/>
+              </a:lnSpc>
+              <a:defRPr/>
+            </a:pPr>
+            <a:r>
+              <a:rPr lang="en-US" dirty="0" smtClean="0"/>
+              <a:t>Perform actions</a:t>
+            </a:r>
+          </a:p>
+          <a:p>
+            <a:pPr lvl="1">
+              <a:lnSpc>
+                <a:spcPct val="100000"/>
+              </a:lnSpc>
+              <a:defRPr/>
+            </a:pPr>
+            <a:r>
+              <a:rPr lang="en-US" sz="2600" dirty="0" smtClean="0"/>
               <a:t>Methods of  </a:t>
             </a:r>
             <a:r>
-              <a:rPr lang="en-US" sz="2400" dirty="0" err="1" smtClean="0"/>
+              <a:rPr lang="en-US" sz="2600" dirty="0" err="1" smtClean="0"/>
               <a:t>FrameworkElements</a:t>
             </a:r>
-            <a:endParaRPr lang="en-US" sz="2400" dirty="0" smtClean="0"/>
+            <a:endParaRPr lang="en-US" sz="2600" dirty="0" smtClean="0"/>
           </a:p>
         </p:txBody>
       </p:sp>

--- a/Slides/Telerik Testing Framework/Telerik Testing Framework.pptx
+++ b/Slides/Telerik Testing Framework/Telerik Testing Framework.pptx
@@ -217,7 +217,7 @@
           <a:p>
             <a:fld id="{644303E9-1A8A-406D-9DFA-FF87524EDF5C}" type="datetimeFigureOut">
               <a:rPr lang="en-US" smtClean="0"/>
-              <a:t>10/6/2014</a:t>
+              <a:t>11/10/2014</a:t>
             </a:fld>
             <a:endParaRPr lang="en-US"/>
           </a:p>
@@ -9284,11 +9284,7 @@
             </a:pPr>
             <a:r>
               <a:rPr lang="en-US" sz="2900" dirty="0" smtClean="0"/>
-              <a:t>Browser </a:t>
-            </a:r>
-            <a:r>
-              <a:rPr lang="en-US" sz="2900" dirty="0" smtClean="0"/>
-              <a:t>abstraction</a:t>
+              <a:t>Browser abstraction</a:t>
             </a:r>
           </a:p>
           <a:p>
